--- a/pt/ProgrammingLessons/MovingStraight.pptx
+++ b/pt/ProgrammingLessons/MovingStraight.pptx
@@ -146,6 +146,646 @@
 </p:presentation>
 </file>
 
+<file path=ppt/revisionInfo.xml><?xml version="1.0" encoding="utf-8"?>
+<p1510:revInfo xmlns:a="http://schemas.openxmlformats.org/drawingml/2006/main" xmlns:r="http://schemas.openxmlformats.org/officeDocument/2006/relationships" xmlns:p1510="http://schemas.microsoft.com/office/powerpoint/2015/10/main">
+  <p1510:revLst>
+    <p1510:client id="{FA5B79CC-0AA8-4CB3-B3E3-A3C8213C1BD6}" v="17" dt="2020-07-12T03:44:48.304"/>
+  </p1510:revLst>
+</p1510:revInfo>
+</file>
+
+<file path=ppt/changesInfos/changesInfo1.xml><?xml version="1.0" encoding="utf-8"?>
+<pc:chgInfo xmlns:a="http://schemas.openxmlformats.org/drawingml/2006/main" xmlns:r="http://schemas.openxmlformats.org/officeDocument/2006/relationships" xmlns:ac="http://schemas.microsoft.com/office/drawing/2013/main/command" xmlns:pc="http://schemas.microsoft.com/office/powerpoint/2013/main/command">
+  <pc:docChgLst>
+    <pc:chgData name="Anderson Harayashiki Moreira" userId="07ffc975ff648281" providerId="LiveId" clId="{FA5B79CC-0AA8-4CB3-B3E3-A3C8213C1BD6}"/>
+    <pc:docChg chg="undo custSel modSld">
+      <pc:chgData name="Anderson Harayashiki Moreira" userId="07ffc975ff648281" providerId="LiveId" clId="{FA5B79CC-0AA8-4CB3-B3E3-A3C8213C1BD6}" dt="2020-07-12T03:44:48.304" v="382"/>
+      <pc:docMkLst>
+        <pc:docMk/>
+      </pc:docMkLst>
+      <pc:sldChg chg="addSp delSp modSp">
+        <pc:chgData name="Anderson Harayashiki Moreira" userId="07ffc975ff648281" providerId="LiveId" clId="{FA5B79CC-0AA8-4CB3-B3E3-A3C8213C1BD6}" dt="2020-07-12T03:44:16.840" v="365"/>
+        <pc:sldMkLst>
+          <pc:docMk/>
+          <pc:sldMk cId="221081778" sldId="260"/>
+        </pc:sldMkLst>
+        <pc:spChg chg="mod">
+          <ac:chgData name="Anderson Harayashiki Moreira" userId="07ffc975ff648281" providerId="LiveId" clId="{FA5B79CC-0AA8-4CB3-B3E3-A3C8213C1BD6}" dt="2020-07-12T03:38:26.507" v="282" actId="20577"/>
+          <ac:spMkLst>
+            <pc:docMk/>
+            <pc:sldMk cId="221081778" sldId="260"/>
+            <ac:spMk id="2" creationId="{00000000-0000-0000-0000-000000000000}"/>
+          </ac:spMkLst>
+        </pc:spChg>
+        <pc:spChg chg="mod">
+          <ac:chgData name="Anderson Harayashiki Moreira" userId="07ffc975ff648281" providerId="LiveId" clId="{FA5B79CC-0AA8-4CB3-B3E3-A3C8213C1BD6}" dt="2020-07-12T03:39:27.730" v="285" actId="123"/>
+          <ac:spMkLst>
+            <pc:docMk/>
+            <pc:sldMk cId="221081778" sldId="260"/>
+            <ac:spMk id="3" creationId="{00000000-0000-0000-0000-000000000000}"/>
+          </ac:spMkLst>
+        </pc:spChg>
+        <pc:spChg chg="del">
+          <ac:chgData name="Anderson Harayashiki Moreira" userId="07ffc975ff648281" providerId="LiveId" clId="{FA5B79CC-0AA8-4CB3-B3E3-A3C8213C1BD6}" dt="2020-07-12T03:44:16.549" v="364" actId="478"/>
+          <ac:spMkLst>
+            <pc:docMk/>
+            <pc:sldMk cId="221081778" sldId="260"/>
+            <ac:spMk id="8" creationId="{C2343568-9331-7A48-9D07-C332D71BD676}"/>
+          </ac:spMkLst>
+        </pc:spChg>
+        <pc:spChg chg="add">
+          <ac:chgData name="Anderson Harayashiki Moreira" userId="07ffc975ff648281" providerId="LiveId" clId="{FA5B79CC-0AA8-4CB3-B3E3-A3C8213C1BD6}" dt="2020-07-12T03:44:16.840" v="365"/>
+          <ac:spMkLst>
+            <pc:docMk/>
+            <pc:sldMk cId="221081778" sldId="260"/>
+            <ac:spMk id="20" creationId="{92E400D8-F060-4475-8099-36E038D746F1}"/>
+          </ac:spMkLst>
+        </pc:spChg>
+      </pc:sldChg>
+      <pc:sldChg chg="modSp">
+        <pc:chgData name="Anderson Harayashiki Moreira" userId="07ffc975ff648281" providerId="LiveId" clId="{FA5B79CC-0AA8-4CB3-B3E3-A3C8213C1BD6}" dt="2020-07-12T03:43:49.369" v="355" actId="20577"/>
+        <pc:sldMkLst>
+          <pc:docMk/>
+          <pc:sldMk cId="3392129947" sldId="288"/>
+        </pc:sldMkLst>
+        <pc:spChg chg="mod">
+          <ac:chgData name="Anderson Harayashiki Moreira" userId="07ffc975ff648281" providerId="LiveId" clId="{FA5B79CC-0AA8-4CB3-B3E3-A3C8213C1BD6}" dt="2020-07-12T03:43:34.356" v="351" actId="20577"/>
+          <ac:spMkLst>
+            <pc:docMk/>
+            <pc:sldMk cId="3392129947" sldId="288"/>
+            <ac:spMk id="3" creationId="{00000000-0000-0000-0000-000000000000}"/>
+          </ac:spMkLst>
+        </pc:spChg>
+        <pc:spChg chg="mod">
+          <ac:chgData name="Anderson Harayashiki Moreira" userId="07ffc975ff648281" providerId="LiveId" clId="{FA5B79CC-0AA8-4CB3-B3E3-A3C8213C1BD6}" dt="2020-07-12T03:43:49.369" v="355" actId="20577"/>
+          <ac:spMkLst>
+            <pc:docMk/>
+            <pc:sldMk cId="3392129947" sldId="288"/>
+            <ac:spMk id="4" creationId="{00000000-0000-0000-0000-000000000000}"/>
+          </ac:spMkLst>
+        </pc:spChg>
+      </pc:sldChg>
+      <pc:sldChg chg="addSp delSp modSp">
+        <pc:chgData name="Anderson Harayashiki Moreira" userId="07ffc975ff648281" providerId="LiveId" clId="{FA5B79CC-0AA8-4CB3-B3E3-A3C8213C1BD6}" dt="2020-07-12T03:44:45.198" v="380"/>
+        <pc:sldMkLst>
+          <pc:docMk/>
+          <pc:sldMk cId="3433347198" sldId="300"/>
+        </pc:sldMkLst>
+        <pc:spChg chg="mod">
+          <ac:chgData name="Anderson Harayashiki Moreira" userId="07ffc975ff648281" providerId="LiveId" clId="{FA5B79CC-0AA8-4CB3-B3E3-A3C8213C1BD6}" dt="2020-07-12T03:22:27.652" v="2" actId="403"/>
+          <ac:spMkLst>
+            <pc:docMk/>
+            <pc:sldMk cId="3433347198" sldId="300"/>
+            <ac:spMk id="2" creationId="{00000000-0000-0000-0000-000000000000}"/>
+          </ac:spMkLst>
+        </pc:spChg>
+        <pc:spChg chg="del">
+          <ac:chgData name="Anderson Harayashiki Moreira" userId="07ffc975ff648281" providerId="LiveId" clId="{FA5B79CC-0AA8-4CB3-B3E3-A3C8213C1BD6}" dt="2020-07-12T03:44:44.576" v="379" actId="478"/>
+          <ac:spMkLst>
+            <pc:docMk/>
+            <pc:sldMk cId="3433347198" sldId="300"/>
+            <ac:spMk id="3" creationId="{BD08C81B-506D-3D44-9337-E4F2B17990E7}"/>
+          </ac:spMkLst>
+        </pc:spChg>
+        <pc:spChg chg="mod">
+          <ac:chgData name="Anderson Harayashiki Moreira" userId="07ffc975ff648281" providerId="LiveId" clId="{FA5B79CC-0AA8-4CB3-B3E3-A3C8213C1BD6}" dt="2020-07-12T03:33:58.865" v="159" actId="1037"/>
+          <ac:spMkLst>
+            <pc:docMk/>
+            <pc:sldMk cId="3433347198" sldId="300"/>
+            <ac:spMk id="10" creationId="{00000000-0000-0000-0000-000000000000}"/>
+          </ac:spMkLst>
+        </pc:spChg>
+        <pc:spChg chg="mod">
+          <ac:chgData name="Anderson Harayashiki Moreira" userId="07ffc975ff648281" providerId="LiveId" clId="{FA5B79CC-0AA8-4CB3-B3E3-A3C8213C1BD6}" dt="2020-07-12T03:33:58.865" v="159" actId="1037"/>
+          <ac:spMkLst>
+            <pc:docMk/>
+            <pc:sldMk cId="3433347198" sldId="300"/>
+            <ac:spMk id="11" creationId="{00000000-0000-0000-0000-000000000000}"/>
+          </ac:spMkLst>
+        </pc:spChg>
+        <pc:spChg chg="add">
+          <ac:chgData name="Anderson Harayashiki Moreira" userId="07ffc975ff648281" providerId="LiveId" clId="{FA5B79CC-0AA8-4CB3-B3E3-A3C8213C1BD6}" dt="2020-07-12T03:33:48.190" v="121"/>
+          <ac:spMkLst>
+            <pc:docMk/>
+            <pc:sldMk cId="3433347198" sldId="300"/>
+            <ac:spMk id="14" creationId="{758C148B-6004-4974-98C4-03417A9A528B}"/>
+          </ac:spMkLst>
+        </pc:spChg>
+        <pc:spChg chg="add">
+          <ac:chgData name="Anderson Harayashiki Moreira" userId="07ffc975ff648281" providerId="LiveId" clId="{FA5B79CC-0AA8-4CB3-B3E3-A3C8213C1BD6}" dt="2020-07-12T03:44:45.198" v="380"/>
+          <ac:spMkLst>
+            <pc:docMk/>
+            <pc:sldMk cId="3433347198" sldId="300"/>
+            <ac:spMk id="15" creationId="{29F43184-E7FE-4369-AE61-E7A761918C55}"/>
+          </ac:spMkLst>
+        </pc:spChg>
+        <pc:spChg chg="del">
+          <ac:chgData name="Anderson Harayashiki Moreira" userId="07ffc975ff648281" providerId="LiveId" clId="{FA5B79CC-0AA8-4CB3-B3E3-A3C8213C1BD6}" dt="2020-07-12T03:33:47.194" v="120" actId="478"/>
+          <ac:spMkLst>
+            <pc:docMk/>
+            <pc:sldMk cId="3433347198" sldId="300"/>
+            <ac:spMk id="26" creationId="{08CDC762-E6CD-43FB-ABBE-0FB5FC294A3B}"/>
+          </ac:spMkLst>
+        </pc:spChg>
+        <pc:spChg chg="mod">
+          <ac:chgData name="Anderson Harayashiki Moreira" userId="07ffc975ff648281" providerId="LiveId" clId="{FA5B79CC-0AA8-4CB3-B3E3-A3C8213C1BD6}" dt="2020-07-12T03:33:58.865" v="159" actId="1037"/>
+          <ac:spMkLst>
+            <pc:docMk/>
+            <pc:sldMk cId="3433347198" sldId="300"/>
+            <ac:spMk id="36" creationId="{B2CF9A8F-25F2-4788-90AC-5157BB6C9540}"/>
+          </ac:spMkLst>
+        </pc:spChg>
+        <pc:spChg chg="mod">
+          <ac:chgData name="Anderson Harayashiki Moreira" userId="07ffc975ff648281" providerId="LiveId" clId="{FA5B79CC-0AA8-4CB3-B3E3-A3C8213C1BD6}" dt="2020-07-12T03:33:58.865" v="159" actId="1037"/>
+          <ac:spMkLst>
+            <pc:docMk/>
+            <pc:sldMk cId="3433347198" sldId="300"/>
+            <ac:spMk id="38" creationId="{47D8FC75-B4B3-4AFF-AAF1-2641A8FDA407}"/>
+          </ac:spMkLst>
+        </pc:spChg>
+        <pc:spChg chg="mod">
+          <ac:chgData name="Anderson Harayashiki Moreira" userId="07ffc975ff648281" providerId="LiveId" clId="{FA5B79CC-0AA8-4CB3-B3E3-A3C8213C1BD6}" dt="2020-07-12T03:22:03.127" v="1" actId="20577"/>
+          <ac:spMkLst>
+            <pc:docMk/>
+            <pc:sldMk cId="3433347198" sldId="300"/>
+            <ac:spMk id="55" creationId="{08AA3D35-4896-42BA-AC5C-3FB20FFBE9A7}"/>
+          </ac:spMkLst>
+        </pc:spChg>
+        <pc:picChg chg="mod">
+          <ac:chgData name="Anderson Harayashiki Moreira" userId="07ffc975ff648281" providerId="LiveId" clId="{FA5B79CC-0AA8-4CB3-B3E3-A3C8213C1BD6}" dt="2020-07-12T03:33:58.865" v="159" actId="1037"/>
+          <ac:picMkLst>
+            <pc:docMk/>
+            <pc:sldMk cId="3433347198" sldId="300"/>
+            <ac:picMk id="7" creationId="{C17E71FC-63AC-4B28-B0AC-2C10CB9D7CCE}"/>
+          </ac:picMkLst>
+        </pc:picChg>
+        <pc:picChg chg="mod">
+          <ac:chgData name="Anderson Harayashiki Moreira" userId="07ffc975ff648281" providerId="LiveId" clId="{FA5B79CC-0AA8-4CB3-B3E3-A3C8213C1BD6}" dt="2020-07-12T03:33:58.865" v="159" actId="1037"/>
+          <ac:picMkLst>
+            <pc:docMk/>
+            <pc:sldMk cId="3433347198" sldId="300"/>
+            <ac:picMk id="9" creationId="{68083A46-F6DB-4BAC-AA4A-1455E29E303A}"/>
+          </ac:picMkLst>
+        </pc:picChg>
+        <pc:picChg chg="mod">
+          <ac:chgData name="Anderson Harayashiki Moreira" userId="07ffc975ff648281" providerId="LiveId" clId="{FA5B79CC-0AA8-4CB3-B3E3-A3C8213C1BD6}" dt="2020-07-12T03:33:58.865" v="159" actId="1037"/>
+          <ac:picMkLst>
+            <pc:docMk/>
+            <pc:sldMk cId="3433347198" sldId="300"/>
+            <ac:picMk id="28" creationId="{B3F40851-ABB6-440E-A4B3-DFB6C511CF3D}"/>
+          </ac:picMkLst>
+        </pc:picChg>
+      </pc:sldChg>
+      <pc:sldChg chg="addSp delSp modSp">
+        <pc:chgData name="Anderson Harayashiki Moreira" userId="07ffc975ff648281" providerId="LiveId" clId="{FA5B79CC-0AA8-4CB3-B3E3-A3C8213C1BD6}" dt="2020-07-12T03:44:27.140" v="371"/>
+        <pc:sldMkLst>
+          <pc:docMk/>
+          <pc:sldMk cId="2241606033" sldId="409"/>
+        </pc:sldMkLst>
+        <pc:spChg chg="mod">
+          <ac:chgData name="Anderson Harayashiki Moreira" userId="07ffc975ff648281" providerId="LiveId" clId="{FA5B79CC-0AA8-4CB3-B3E3-A3C8213C1BD6}" dt="2020-07-12T03:39:50.887" v="289" actId="123"/>
+          <ac:spMkLst>
+            <pc:docMk/>
+            <pc:sldMk cId="2241606033" sldId="409"/>
+            <ac:spMk id="4" creationId="{737F23C5-E722-482C-81B4-A10CDEFA3ADE}"/>
+          </ac:spMkLst>
+        </pc:spChg>
+        <pc:spChg chg="del">
+          <ac:chgData name="Anderson Harayashiki Moreira" userId="07ffc975ff648281" providerId="LiveId" clId="{FA5B79CC-0AA8-4CB3-B3E3-A3C8213C1BD6}" dt="2020-07-12T03:44:26.736" v="370" actId="478"/>
+          <ac:spMkLst>
+            <pc:docMk/>
+            <pc:sldMk cId="2241606033" sldId="409"/>
+            <ac:spMk id="5" creationId="{8FFAF4E7-EE89-C347-970F-E96D5843F1F0}"/>
+          </ac:spMkLst>
+        </pc:spChg>
+        <pc:spChg chg="mod">
+          <ac:chgData name="Anderson Harayashiki Moreira" userId="07ffc975ff648281" providerId="LiveId" clId="{FA5B79CC-0AA8-4CB3-B3E3-A3C8213C1BD6}" dt="2020-07-12T03:37:00.637" v="268" actId="1035"/>
+          <ac:spMkLst>
+            <pc:docMk/>
+            <pc:sldMk cId="2241606033" sldId="409"/>
+            <ac:spMk id="6" creationId="{00000000-0000-0000-0000-000000000000}"/>
+          </ac:spMkLst>
+        </pc:spChg>
+        <pc:spChg chg="mod">
+          <ac:chgData name="Anderson Harayashiki Moreira" userId="07ffc975ff648281" providerId="LiveId" clId="{FA5B79CC-0AA8-4CB3-B3E3-A3C8213C1BD6}" dt="2020-07-12T03:36:46.046" v="236" actId="1036"/>
+          <ac:spMkLst>
+            <pc:docMk/>
+            <pc:sldMk cId="2241606033" sldId="409"/>
+            <ac:spMk id="7" creationId="{00000000-0000-0000-0000-000000000000}"/>
+          </ac:spMkLst>
+        </pc:spChg>
+        <pc:spChg chg="mod">
+          <ac:chgData name="Anderson Harayashiki Moreira" userId="07ffc975ff648281" providerId="LiveId" clId="{FA5B79CC-0AA8-4CB3-B3E3-A3C8213C1BD6}" dt="2020-07-12T03:37:19.306" v="272" actId="20577"/>
+          <ac:spMkLst>
+            <pc:docMk/>
+            <pc:sldMk cId="2241606033" sldId="409"/>
+            <ac:spMk id="26" creationId="{2026694E-0260-4CB9-B6FF-BF6DF49AD840}"/>
+          </ac:spMkLst>
+        </pc:spChg>
+        <pc:spChg chg="mod">
+          <ac:chgData name="Anderson Harayashiki Moreira" userId="07ffc975ff648281" providerId="LiveId" clId="{FA5B79CC-0AA8-4CB3-B3E3-A3C8213C1BD6}" dt="2020-07-12T03:37:38.190" v="279" actId="20577"/>
+          <ac:spMkLst>
+            <pc:docMk/>
+            <pc:sldMk cId="2241606033" sldId="409"/>
+            <ac:spMk id="27" creationId="{89CB1DAF-97B6-4A6F-AB9D-4F39E63FC260}"/>
+          </ac:spMkLst>
+        </pc:spChg>
+        <pc:spChg chg="add">
+          <ac:chgData name="Anderson Harayashiki Moreira" userId="07ffc975ff648281" providerId="LiveId" clId="{FA5B79CC-0AA8-4CB3-B3E3-A3C8213C1BD6}" dt="2020-07-12T03:44:27.140" v="371"/>
+          <ac:spMkLst>
+            <pc:docMk/>
+            <pc:sldMk cId="2241606033" sldId="409"/>
+            <ac:spMk id="28" creationId="{F0F67EE0-7A01-4077-9773-AD501691EEB8}"/>
+          </ac:spMkLst>
+        </pc:spChg>
+      </pc:sldChg>
+      <pc:sldChg chg="addSp delSp">
+        <pc:chgData name="Anderson Harayashiki Moreira" userId="07ffc975ff648281" providerId="LiveId" clId="{FA5B79CC-0AA8-4CB3-B3E3-A3C8213C1BD6}" dt="2020-07-12T03:44:48.304" v="382"/>
+        <pc:sldMkLst>
+          <pc:docMk/>
+          <pc:sldMk cId="294339898" sldId="413"/>
+        </pc:sldMkLst>
+        <pc:spChg chg="del">
+          <ac:chgData name="Anderson Harayashiki Moreira" userId="07ffc975ff648281" providerId="LiveId" clId="{FA5B79CC-0AA8-4CB3-B3E3-A3C8213C1BD6}" dt="2020-07-12T03:44:47.557" v="381" actId="478"/>
+          <ac:spMkLst>
+            <pc:docMk/>
+            <pc:sldMk cId="294339898" sldId="413"/>
+            <ac:spMk id="4" creationId="{0F511978-D10A-AD43-B291-F6BC2E551E37}"/>
+          </ac:spMkLst>
+        </pc:spChg>
+        <pc:spChg chg="add">
+          <ac:chgData name="Anderson Harayashiki Moreira" userId="07ffc975ff648281" providerId="LiveId" clId="{FA5B79CC-0AA8-4CB3-B3E3-A3C8213C1BD6}" dt="2020-07-12T03:44:48.304" v="382"/>
+          <ac:spMkLst>
+            <pc:docMk/>
+            <pc:sldMk cId="294339898" sldId="413"/>
+            <ac:spMk id="6" creationId="{E918027E-8F68-4BF9-B202-C48E88AD7029}"/>
+          </ac:spMkLst>
+        </pc:spChg>
+      </pc:sldChg>
+      <pc:sldChg chg="addSp delSp modSp">
+        <pc:chgData name="Anderson Harayashiki Moreira" userId="07ffc975ff648281" providerId="LiveId" clId="{FA5B79CC-0AA8-4CB3-B3E3-A3C8213C1BD6}" dt="2020-07-12T03:44:41.260" v="378"/>
+        <pc:sldMkLst>
+          <pc:docMk/>
+          <pc:sldMk cId="2966407906" sldId="423"/>
+        </pc:sldMkLst>
+        <pc:spChg chg="del mod">
+          <ac:chgData name="Anderson Harayashiki Moreira" userId="07ffc975ff648281" providerId="LiveId" clId="{FA5B79CC-0AA8-4CB3-B3E3-A3C8213C1BD6}" dt="2020-07-12T03:44:40.613" v="377" actId="478"/>
+          <ac:spMkLst>
+            <pc:docMk/>
+            <pc:sldMk cId="2966407906" sldId="423"/>
+            <ac:spMk id="3" creationId="{AA4A07B9-C9D0-7B43-84AC-75615E0A927C}"/>
+          </ac:spMkLst>
+        </pc:spChg>
+        <pc:spChg chg="mod">
+          <ac:chgData name="Anderson Harayashiki Moreira" userId="07ffc975ff648281" providerId="LiveId" clId="{FA5B79CC-0AA8-4CB3-B3E3-A3C8213C1BD6}" dt="2020-07-12T03:31:41.986" v="77" actId="1076"/>
+          <ac:spMkLst>
+            <pc:docMk/>
+            <pc:sldMk cId="2966407906" sldId="423"/>
+            <ac:spMk id="12" creationId="{4AC6D000-CE4F-4629-873F-983A9302949C}"/>
+          </ac:spMkLst>
+        </pc:spChg>
+        <pc:spChg chg="add">
+          <ac:chgData name="Anderson Harayashiki Moreira" userId="07ffc975ff648281" providerId="LiveId" clId="{FA5B79CC-0AA8-4CB3-B3E3-A3C8213C1BD6}" dt="2020-07-12T03:44:41.260" v="378"/>
+          <ac:spMkLst>
+            <pc:docMk/>
+            <pc:sldMk cId="2966407906" sldId="423"/>
+            <ac:spMk id="13" creationId="{3DC841A8-F38F-436F-8FC8-E92967AA19ED}"/>
+          </ac:spMkLst>
+        </pc:spChg>
+        <pc:spChg chg="mod">
+          <ac:chgData name="Anderson Harayashiki Moreira" userId="07ffc975ff648281" providerId="LiveId" clId="{FA5B79CC-0AA8-4CB3-B3E3-A3C8213C1BD6}" dt="2020-07-12T03:29:48.362" v="68" actId="123"/>
+          <ac:spMkLst>
+            <pc:docMk/>
+            <pc:sldMk cId="2966407906" sldId="423"/>
+            <ac:spMk id="55" creationId="{08AA3D35-4896-42BA-AC5C-3FB20FFBE9A7}"/>
+          </ac:spMkLst>
+        </pc:spChg>
+      </pc:sldChg>
+      <pc:sldChg chg="addSp delSp modSp">
+        <pc:chgData name="Anderson Harayashiki Moreira" userId="07ffc975ff648281" providerId="LiveId" clId="{FA5B79CC-0AA8-4CB3-B3E3-A3C8213C1BD6}" dt="2020-07-12T03:44:36.185" v="375"/>
+        <pc:sldMkLst>
+          <pc:docMk/>
+          <pc:sldMk cId="1035999706" sldId="425"/>
+        </pc:sldMkLst>
+        <pc:spChg chg="mod">
+          <ac:chgData name="Anderson Harayashiki Moreira" userId="07ffc975ff648281" providerId="LiveId" clId="{FA5B79CC-0AA8-4CB3-B3E3-A3C8213C1BD6}" dt="2020-07-12T03:29:54.201" v="69" actId="404"/>
+          <ac:spMkLst>
+            <pc:docMk/>
+            <pc:sldMk cId="1035999706" sldId="425"/>
+            <ac:spMk id="2" creationId="{00000000-0000-0000-0000-000000000000}"/>
+          </ac:spMkLst>
+        </pc:spChg>
+        <pc:spChg chg="del">
+          <ac:chgData name="Anderson Harayashiki Moreira" userId="07ffc975ff648281" providerId="LiveId" clId="{FA5B79CC-0AA8-4CB3-B3E3-A3C8213C1BD6}" dt="2020-07-12T03:44:35.362" v="374" actId="478"/>
+          <ac:spMkLst>
+            <pc:docMk/>
+            <pc:sldMk cId="1035999706" sldId="425"/>
+            <ac:spMk id="3" creationId="{F95DCBCB-81EF-AA42-B43F-80AC52427445}"/>
+          </ac:spMkLst>
+        </pc:spChg>
+        <pc:spChg chg="del">
+          <ac:chgData name="Anderson Harayashiki Moreira" userId="07ffc975ff648281" providerId="LiveId" clId="{FA5B79CC-0AA8-4CB3-B3E3-A3C8213C1BD6}" dt="2020-07-12T03:31:48.120" v="78" actId="478"/>
+          <ac:spMkLst>
+            <pc:docMk/>
+            <pc:sldMk cId="1035999706" sldId="425"/>
+            <ac:spMk id="12" creationId="{ED58AA70-CDAD-4B2D-B9FB-78D95FDCD982}"/>
+          </ac:spMkLst>
+        </pc:spChg>
+        <pc:spChg chg="add mod">
+          <ac:chgData name="Anderson Harayashiki Moreira" userId="07ffc975ff648281" providerId="LiveId" clId="{FA5B79CC-0AA8-4CB3-B3E3-A3C8213C1BD6}" dt="2020-07-12T03:33:25.364" v="119" actId="1036"/>
+          <ac:spMkLst>
+            <pc:docMk/>
+            <pc:sldMk cId="1035999706" sldId="425"/>
+            <ac:spMk id="13" creationId="{DBDF6651-3A0E-4E69-8750-9A14EFE28302}"/>
+          </ac:spMkLst>
+        </pc:spChg>
+        <pc:spChg chg="add">
+          <ac:chgData name="Anderson Harayashiki Moreira" userId="07ffc975ff648281" providerId="LiveId" clId="{FA5B79CC-0AA8-4CB3-B3E3-A3C8213C1BD6}" dt="2020-07-12T03:44:36.185" v="375"/>
+          <ac:spMkLst>
+            <pc:docMk/>
+            <pc:sldMk cId="1035999706" sldId="425"/>
+            <ac:spMk id="14" creationId="{E553CB92-EE69-48B2-B760-ED05BF25BE8D}"/>
+          </ac:spMkLst>
+        </pc:spChg>
+        <pc:spChg chg="mod">
+          <ac:chgData name="Anderson Harayashiki Moreira" userId="07ffc975ff648281" providerId="LiveId" clId="{FA5B79CC-0AA8-4CB3-B3E3-A3C8213C1BD6}" dt="2020-07-12T03:33:21.540" v="112" actId="1036"/>
+          <ac:spMkLst>
+            <pc:docMk/>
+            <pc:sldMk cId="1035999706" sldId="425"/>
+            <ac:spMk id="55" creationId="{08AA3D35-4896-42BA-AC5C-3FB20FFBE9A7}"/>
+          </ac:spMkLst>
+        </pc:spChg>
+      </pc:sldChg>
+      <pc:sldChg chg="addSp delSp modSp">
+        <pc:chgData name="Anderson Harayashiki Moreira" userId="07ffc975ff648281" providerId="LiveId" clId="{FA5B79CC-0AA8-4CB3-B3E3-A3C8213C1BD6}" dt="2020-07-12T03:44:32.892" v="373"/>
+        <pc:sldMkLst>
+          <pc:docMk/>
+          <pc:sldMk cId="3153782608" sldId="426"/>
+        </pc:sldMkLst>
+        <pc:spChg chg="mod">
+          <ac:chgData name="Anderson Harayashiki Moreira" userId="07ffc975ff648281" providerId="LiveId" clId="{FA5B79CC-0AA8-4CB3-B3E3-A3C8213C1BD6}" dt="2020-07-12T03:34:42.267" v="194" actId="404"/>
+          <ac:spMkLst>
+            <pc:docMk/>
+            <pc:sldMk cId="3153782608" sldId="426"/>
+            <ac:spMk id="2" creationId="{00000000-0000-0000-0000-000000000000}"/>
+          </ac:spMkLst>
+        </pc:spChg>
+        <pc:spChg chg="del">
+          <ac:chgData name="Anderson Harayashiki Moreira" userId="07ffc975ff648281" providerId="LiveId" clId="{FA5B79CC-0AA8-4CB3-B3E3-A3C8213C1BD6}" dt="2020-07-12T03:44:32.205" v="372" actId="478"/>
+          <ac:spMkLst>
+            <pc:docMk/>
+            <pc:sldMk cId="3153782608" sldId="426"/>
+            <ac:spMk id="3" creationId="{ADEE0704-5C0C-A942-81C6-9C6A8360F347}"/>
+          </ac:spMkLst>
+        </pc:spChg>
+        <pc:spChg chg="del">
+          <ac:chgData name="Anderson Harayashiki Moreira" userId="07ffc975ff648281" providerId="LiveId" clId="{FA5B79CC-0AA8-4CB3-B3E3-A3C8213C1BD6}" dt="2020-07-12T03:34:10.439" v="160" actId="478"/>
+          <ac:spMkLst>
+            <pc:docMk/>
+            <pc:sldMk cId="3153782608" sldId="426"/>
+            <ac:spMk id="12" creationId="{772B3577-6176-488F-BC65-48F339813716}"/>
+          </ac:spMkLst>
+        </pc:spChg>
+        <pc:spChg chg="mod">
+          <ac:chgData name="Anderson Harayashiki Moreira" userId="07ffc975ff648281" providerId="LiveId" clId="{FA5B79CC-0AA8-4CB3-B3E3-A3C8213C1BD6}" dt="2020-07-12T03:35:36.643" v="197" actId="20577"/>
+          <ac:spMkLst>
+            <pc:docMk/>
+            <pc:sldMk cId="3153782608" sldId="426"/>
+            <ac:spMk id="13" creationId="{BC973E90-4231-4DB4-9CA0-05C9AE0FB43D}"/>
+          </ac:spMkLst>
+        </pc:spChg>
+        <pc:spChg chg="add del">
+          <ac:chgData name="Anderson Harayashiki Moreira" userId="07ffc975ff648281" providerId="LiveId" clId="{FA5B79CC-0AA8-4CB3-B3E3-A3C8213C1BD6}" dt="2020-07-12T03:34:22.970" v="162" actId="478"/>
+          <ac:spMkLst>
+            <pc:docMk/>
+            <pc:sldMk cId="3153782608" sldId="426"/>
+            <ac:spMk id="14" creationId="{9C574638-030F-43DE-BB41-9EE8171D0794}"/>
+          </ac:spMkLst>
+        </pc:spChg>
+        <pc:spChg chg="add">
+          <ac:chgData name="Anderson Harayashiki Moreira" userId="07ffc975ff648281" providerId="LiveId" clId="{FA5B79CC-0AA8-4CB3-B3E3-A3C8213C1BD6}" dt="2020-07-12T03:34:23.631" v="163"/>
+          <ac:spMkLst>
+            <pc:docMk/>
+            <pc:sldMk cId="3153782608" sldId="426"/>
+            <ac:spMk id="15" creationId="{54A2AA3E-A036-416E-866F-311D29B0009D}"/>
+          </ac:spMkLst>
+        </pc:spChg>
+        <pc:spChg chg="add">
+          <ac:chgData name="Anderson Harayashiki Moreira" userId="07ffc975ff648281" providerId="LiveId" clId="{FA5B79CC-0AA8-4CB3-B3E3-A3C8213C1BD6}" dt="2020-07-12T03:44:32.892" v="373"/>
+          <ac:spMkLst>
+            <pc:docMk/>
+            <pc:sldMk cId="3153782608" sldId="426"/>
+            <ac:spMk id="16" creationId="{200CB37B-1C99-45E7-9132-6796C8639CD3}"/>
+          </ac:spMkLst>
+        </pc:spChg>
+        <pc:spChg chg="mod">
+          <ac:chgData name="Anderson Harayashiki Moreira" userId="07ffc975ff648281" providerId="LiveId" clId="{FA5B79CC-0AA8-4CB3-B3E3-A3C8213C1BD6}" dt="2020-07-12T03:39:43.693" v="288" actId="123"/>
+          <ac:spMkLst>
+            <pc:docMk/>
+            <pc:sldMk cId="3153782608" sldId="426"/>
+            <ac:spMk id="55" creationId="{08AA3D35-4896-42BA-AC5C-3FB20FFBE9A7}"/>
+          </ac:spMkLst>
+        </pc:spChg>
+      </pc:sldChg>
+      <pc:sldChg chg="addSp delSp modSp">
+        <pc:chgData name="Anderson Harayashiki Moreira" userId="07ffc975ff648281" providerId="LiveId" clId="{FA5B79CC-0AA8-4CB3-B3E3-A3C8213C1BD6}" dt="2020-07-12T03:44:07.503" v="361"/>
+        <pc:sldMkLst>
+          <pc:docMk/>
+          <pc:sldMk cId="1429988643" sldId="428"/>
+        </pc:sldMkLst>
+        <pc:spChg chg="mod">
+          <ac:chgData name="Anderson Harayashiki Moreira" userId="07ffc975ff648281" providerId="LiveId" clId="{FA5B79CC-0AA8-4CB3-B3E3-A3C8213C1BD6}" dt="2020-07-12T03:40:38.010" v="295" actId="20577"/>
+          <ac:spMkLst>
+            <pc:docMk/>
+            <pc:sldMk cId="1429988643" sldId="428"/>
+            <ac:spMk id="3" creationId="{00000000-0000-0000-0000-000000000000}"/>
+          </ac:spMkLst>
+        </pc:spChg>
+        <pc:spChg chg="del">
+          <ac:chgData name="Anderson Harayashiki Moreira" userId="07ffc975ff648281" providerId="LiveId" clId="{FA5B79CC-0AA8-4CB3-B3E3-A3C8213C1BD6}" dt="2020-07-12T03:44:07.082" v="360" actId="478"/>
+          <ac:spMkLst>
+            <pc:docMk/>
+            <pc:sldMk cId="1429988643" sldId="428"/>
+            <ac:spMk id="4" creationId="{00000000-0000-0000-0000-000000000000}"/>
+          </ac:spMkLst>
+        </pc:spChg>
+        <pc:spChg chg="add">
+          <ac:chgData name="Anderson Harayashiki Moreira" userId="07ffc975ff648281" providerId="LiveId" clId="{FA5B79CC-0AA8-4CB3-B3E3-A3C8213C1BD6}" dt="2020-07-12T03:44:07.503" v="361"/>
+          <ac:spMkLst>
+            <pc:docMk/>
+            <pc:sldMk cId="1429988643" sldId="428"/>
+            <ac:spMk id="10" creationId="{C93AA460-4DF4-45F1-9A21-D46018A7E298}"/>
+          </ac:spMkLst>
+        </pc:spChg>
+      </pc:sldChg>
+      <pc:sldChg chg="addSp delSp modSp">
+        <pc:chgData name="Anderson Harayashiki Moreira" userId="07ffc975ff648281" providerId="LiveId" clId="{FA5B79CC-0AA8-4CB3-B3E3-A3C8213C1BD6}" dt="2020-07-12T03:44:02.687" v="359"/>
+        <pc:sldMkLst>
+          <pc:docMk/>
+          <pc:sldMk cId="3950747509" sldId="429"/>
+        </pc:sldMkLst>
+        <pc:spChg chg="mod">
+          <ac:chgData name="Anderson Harayashiki Moreira" userId="07ffc975ff648281" providerId="LiveId" clId="{FA5B79CC-0AA8-4CB3-B3E3-A3C8213C1BD6}" dt="2020-07-12T03:40:57.421" v="297" actId="20577"/>
+          <ac:spMkLst>
+            <pc:docMk/>
+            <pc:sldMk cId="3950747509" sldId="429"/>
+            <ac:spMk id="3" creationId="{02912647-7A3C-D645-B1B9-77704CE02166}"/>
+          </ac:spMkLst>
+        </pc:spChg>
+        <pc:spChg chg="del">
+          <ac:chgData name="Anderson Harayashiki Moreira" userId="07ffc975ff648281" providerId="LiveId" clId="{FA5B79CC-0AA8-4CB3-B3E3-A3C8213C1BD6}" dt="2020-07-12T03:44:00.937" v="358" actId="478"/>
+          <ac:spMkLst>
+            <pc:docMk/>
+            <pc:sldMk cId="3950747509" sldId="429"/>
+            <ac:spMk id="4" creationId="{311E1362-5AE5-9F49-B591-B26344D19024}"/>
+          </ac:spMkLst>
+        </pc:spChg>
+        <pc:spChg chg="add">
+          <ac:chgData name="Anderson Harayashiki Moreira" userId="07ffc975ff648281" providerId="LiveId" clId="{FA5B79CC-0AA8-4CB3-B3E3-A3C8213C1BD6}" dt="2020-07-12T03:44:02.687" v="359"/>
+          <ac:spMkLst>
+            <pc:docMk/>
+            <pc:sldMk cId="3950747509" sldId="429"/>
+            <ac:spMk id="8" creationId="{81920514-96B2-41AF-AA93-9F4C47B563BC}"/>
+          </ac:spMkLst>
+        </pc:spChg>
+      </pc:sldChg>
+      <pc:sldChg chg="addSp delSp modSp">
+        <pc:chgData name="Anderson Harayashiki Moreira" userId="07ffc975ff648281" providerId="LiveId" clId="{FA5B79CC-0AA8-4CB3-B3E3-A3C8213C1BD6}" dt="2020-07-12T03:43:58.662" v="357"/>
+        <pc:sldMkLst>
+          <pc:docMk/>
+          <pc:sldMk cId="1331066290" sldId="430"/>
+        </pc:sldMkLst>
+        <pc:spChg chg="mod">
+          <ac:chgData name="Anderson Harayashiki Moreira" userId="07ffc975ff648281" providerId="LiveId" clId="{FA5B79CC-0AA8-4CB3-B3E3-A3C8213C1BD6}" dt="2020-07-12T03:42:07.395" v="298" actId="20577"/>
+          <ac:spMkLst>
+            <pc:docMk/>
+            <pc:sldMk cId="1331066290" sldId="430"/>
+            <ac:spMk id="3" creationId="{3C910320-50AE-4E8D-B71F-6F0EAF08E2CA}"/>
+          </ac:spMkLst>
+        </pc:spChg>
+        <pc:spChg chg="del">
+          <ac:chgData name="Anderson Harayashiki Moreira" userId="07ffc975ff648281" providerId="LiveId" clId="{FA5B79CC-0AA8-4CB3-B3E3-A3C8213C1BD6}" dt="2020-07-12T03:43:57.810" v="356" actId="478"/>
+          <ac:spMkLst>
+            <pc:docMk/>
+            <pc:sldMk cId="1331066290" sldId="430"/>
+            <ac:spMk id="6" creationId="{473F7615-8139-9344-8602-E82DD296A2DE}"/>
+          </ac:spMkLst>
+        </pc:spChg>
+        <pc:spChg chg="mod">
+          <ac:chgData name="Anderson Harayashiki Moreira" userId="07ffc975ff648281" providerId="LiveId" clId="{FA5B79CC-0AA8-4CB3-B3E3-A3C8213C1BD6}" dt="2020-07-12T03:43:01.331" v="305" actId="20577"/>
+          <ac:spMkLst>
+            <pc:docMk/>
+            <pc:sldMk cId="1331066290" sldId="430"/>
+            <ac:spMk id="7" creationId="{DA5622F6-3847-4825-BD78-99B3DDCD3942}"/>
+          </ac:spMkLst>
+        </pc:spChg>
+        <pc:spChg chg="add">
+          <ac:chgData name="Anderson Harayashiki Moreira" userId="07ffc975ff648281" providerId="LiveId" clId="{FA5B79CC-0AA8-4CB3-B3E3-A3C8213C1BD6}" dt="2020-07-12T03:43:58.662" v="357"/>
+          <ac:spMkLst>
+            <pc:docMk/>
+            <pc:sldMk cId="1331066290" sldId="430"/>
+            <ac:spMk id="8" creationId="{3F5BF030-3A0A-4FFC-A783-CFC46E062444}"/>
+          </ac:spMkLst>
+        </pc:spChg>
+      </pc:sldChg>
+      <pc:sldChg chg="addSp delSp modSp">
+        <pc:chgData name="Anderson Harayashiki Moreira" userId="07ffc975ff648281" providerId="LiveId" clId="{FA5B79CC-0AA8-4CB3-B3E3-A3C8213C1BD6}" dt="2020-07-12T03:44:23.486" v="369"/>
+        <pc:sldMkLst>
+          <pc:docMk/>
+          <pc:sldMk cId="4220936593" sldId="433"/>
+        </pc:sldMkLst>
+        <pc:spChg chg="mod">
+          <ac:chgData name="Anderson Harayashiki Moreira" userId="07ffc975ff648281" providerId="LiveId" clId="{FA5B79CC-0AA8-4CB3-B3E3-A3C8213C1BD6}" dt="2020-07-12T03:39:54.185" v="290" actId="123"/>
+          <ac:spMkLst>
+            <pc:docMk/>
+            <pc:sldMk cId="4220936593" sldId="433"/>
+            <ac:spMk id="3" creationId="{EABD442C-A843-40FB-A542-3CC3918FB022}"/>
+          </ac:spMkLst>
+        </pc:spChg>
+        <pc:spChg chg="del">
+          <ac:chgData name="Anderson Harayashiki Moreira" userId="07ffc975ff648281" providerId="LiveId" clId="{FA5B79CC-0AA8-4CB3-B3E3-A3C8213C1BD6}" dt="2020-07-12T03:44:22.892" v="368" actId="478"/>
+          <ac:spMkLst>
+            <pc:docMk/>
+            <pc:sldMk cId="4220936593" sldId="433"/>
+            <ac:spMk id="4" creationId="{062ACE1F-D85A-40F9-907A-B7F1FE4C6884}"/>
+          </ac:spMkLst>
+        </pc:spChg>
+        <pc:spChg chg="add">
+          <ac:chgData name="Anderson Harayashiki Moreira" userId="07ffc975ff648281" providerId="LiveId" clId="{FA5B79CC-0AA8-4CB3-B3E3-A3C8213C1BD6}" dt="2020-07-12T03:44:23.486" v="369"/>
+          <ac:spMkLst>
+            <pc:docMk/>
+            <pc:sldMk cId="4220936593" sldId="433"/>
+            <ac:spMk id="15" creationId="{D983C559-A418-4004-AF1B-FBC2D5A51941}"/>
+          </ac:spMkLst>
+        </pc:spChg>
+      </pc:sldChg>
+      <pc:sldChg chg="addSp delSp modSp">
+        <pc:chgData name="Anderson Harayashiki Moreira" userId="07ffc975ff648281" providerId="LiveId" clId="{FA5B79CC-0AA8-4CB3-B3E3-A3C8213C1BD6}" dt="2020-07-12T03:44:19.860" v="367"/>
+        <pc:sldMkLst>
+          <pc:docMk/>
+          <pc:sldMk cId="2154722554" sldId="436"/>
+        </pc:sldMkLst>
+        <pc:spChg chg="mod">
+          <ac:chgData name="Anderson Harayashiki Moreira" userId="07ffc975ff648281" providerId="LiveId" clId="{FA5B79CC-0AA8-4CB3-B3E3-A3C8213C1BD6}" dt="2020-07-12T03:39:31.147" v="286" actId="123"/>
+          <ac:spMkLst>
+            <pc:docMk/>
+            <pc:sldMk cId="2154722554" sldId="436"/>
+            <ac:spMk id="3" creationId="{98083BB9-7D65-486A-B564-15E1D3B4D7DA}"/>
+          </ac:spMkLst>
+        </pc:spChg>
+        <pc:spChg chg="del">
+          <ac:chgData name="Anderson Harayashiki Moreira" userId="07ffc975ff648281" providerId="LiveId" clId="{FA5B79CC-0AA8-4CB3-B3E3-A3C8213C1BD6}" dt="2020-07-12T03:44:19.534" v="366" actId="478"/>
+          <ac:spMkLst>
+            <pc:docMk/>
+            <pc:sldMk cId="2154722554" sldId="436"/>
+            <ac:spMk id="4" creationId="{94A19F01-22AB-497B-8D19-F0955AD2F63E}"/>
+          </ac:spMkLst>
+        </pc:spChg>
+        <pc:spChg chg="add">
+          <ac:chgData name="Anderson Harayashiki Moreira" userId="07ffc975ff648281" providerId="LiveId" clId="{FA5B79CC-0AA8-4CB3-B3E3-A3C8213C1BD6}" dt="2020-07-12T03:44:19.860" v="367"/>
+          <ac:spMkLst>
+            <pc:docMk/>
+            <pc:sldMk cId="2154722554" sldId="436"/>
+            <ac:spMk id="7" creationId="{405244F9-AF9C-4002-8EA7-86197316A611}"/>
+          </ac:spMkLst>
+        </pc:spChg>
+      </pc:sldChg>
+      <pc:sldChg chg="addSp delSp modSp">
+        <pc:chgData name="Anderson Harayashiki Moreira" userId="07ffc975ff648281" providerId="LiveId" clId="{FA5B79CC-0AA8-4CB3-B3E3-A3C8213C1BD6}" dt="2020-07-12T03:44:13.826" v="363"/>
+        <pc:sldMkLst>
+          <pc:docMk/>
+          <pc:sldMk cId="2246882671" sldId="437"/>
+        </pc:sldMkLst>
+        <pc:spChg chg="del">
+          <ac:chgData name="Anderson Harayashiki Moreira" userId="07ffc975ff648281" providerId="LiveId" clId="{FA5B79CC-0AA8-4CB3-B3E3-A3C8213C1BD6}" dt="2020-07-12T03:44:13.427" v="362" actId="478"/>
+          <ac:spMkLst>
+            <pc:docMk/>
+            <pc:sldMk cId="2246882671" sldId="437"/>
+            <ac:spMk id="4" creationId="{F52252CE-D7C8-4ED1-B7D3-717F38748A37}"/>
+          </ac:spMkLst>
+        </pc:spChg>
+        <pc:spChg chg="add">
+          <ac:chgData name="Anderson Harayashiki Moreira" userId="07ffc975ff648281" providerId="LiveId" clId="{FA5B79CC-0AA8-4CB3-B3E3-A3C8213C1BD6}" dt="2020-07-12T03:44:13.826" v="363"/>
+          <ac:spMkLst>
+            <pc:docMk/>
+            <pc:sldMk cId="2246882671" sldId="437"/>
+            <ac:spMk id="7" creationId="{DF52999A-D594-4B12-98B8-C583AD85268C}"/>
+          </ac:spMkLst>
+        </pc:spChg>
+        <pc:spChg chg="mod">
+          <ac:chgData name="Anderson Harayashiki Moreira" userId="07ffc975ff648281" providerId="LiveId" clId="{FA5B79CC-0AA8-4CB3-B3E3-A3C8213C1BD6}" dt="2020-07-12T03:39:24.528" v="284" actId="123"/>
+          <ac:spMkLst>
+            <pc:docMk/>
+            <pc:sldMk cId="2246882671" sldId="437"/>
+            <ac:spMk id="10" creationId="{EA67A743-CC4F-4AD7-BF57-EB62E23F1725}"/>
+          </ac:spMkLst>
+        </pc:spChg>
+      </pc:sldChg>
+    </pc:docChg>
+  </pc:docChgLst>
+</pc:chgInfo>
+</file>
+
 <file path=ppt/handoutMasters/handoutMaster1.xml><?xml version="1.0" encoding="utf-8"?>
 <p:handoutMaster xmlns:a="http://schemas.openxmlformats.org/drawingml/2006/main" xmlns:r="http://schemas.openxmlformats.org/officeDocument/2006/relationships" xmlns:p="http://schemas.openxmlformats.org/presentationml/2006/main">
   <p:cSld>
@@ -228,7 +868,7 @@
           <a:p>
             <a:fld id="{F8D9B3D7-15CB-9343-AA49-EFB5A8F33F18}" type="datetimeFigureOut">
               <a:rPr lang="en-US" smtClean="0"/>
-              <a:t>6/8/2020</a:t>
+              <a:t>7/12/2020</a:t>
             </a:fld>
             <a:endParaRPr lang="en-US" dirty="0"/>
           </a:p>
@@ -394,7 +1034,7 @@
           <a:p>
             <a:fld id="{FD3EFF1E-85A1-6640-AFB9-C38833E80A84}" type="datetimeFigureOut">
               <a:rPr lang="en-US" smtClean="0"/>
-              <a:t>6/8/2020</a:t>
+              <a:t>7/12/2020</a:t>
             </a:fld>
             <a:endParaRPr lang="en-US" dirty="0"/>
           </a:p>
@@ -15026,74 +15666,49 @@
           </a:bodyPr>
           <a:lstStyle/>
           <a:p>
+            <a:pPr algn="just"/>
             <a:r>
               <a:rPr lang="pt-BR" dirty="0"/>
               <a:t>Mova seu robô para frente a partir da linha de partida até a chegada (1) e depois de volta ao começo (2)</a:t>
             </a:r>
           </a:p>
           <a:p>
+            <a:pPr algn="just"/>
             <a:r>
               <a:rPr lang="pt-BR" dirty="0"/>
               <a:t>Passos básicos</a:t>
             </a:r>
           </a:p>
           <a:p>
-            <a:pPr lvl="1"/>
+            <a:pPr lvl="1" algn="just"/>
             <a:r>
               <a:rPr lang="pt-BR" dirty="0"/>
               <a:t>Configure o seu robô</a:t>
             </a:r>
           </a:p>
           <a:p>
-            <a:pPr lvl="1"/>
+            <a:pPr lvl="1" algn="just"/>
             <a:r>
               <a:rPr lang="pt-BR" dirty="0"/>
               <a:t>Use o bloco de movimento para ir para frente por 40cm</a:t>
             </a:r>
           </a:p>
           <a:p>
-            <a:pPr lvl="1"/>
+            <a:pPr lvl="1" algn="just"/>
             <a:r>
               <a:rPr lang="pt-BR" dirty="0"/>
               <a:t>Use o mesmo bloco de movimento para ir para trás (40cm)</a:t>
             </a:r>
           </a:p>
           <a:p>
-            <a:pPr marL="0" indent="0">
+            <a:pPr marL="0" indent="0" algn="just">
               <a:buNone/>
             </a:pPr>
             <a:endParaRPr lang="pt-BR" dirty="0"/>
           </a:p>
           <a:p>
+            <a:pPr algn="just"/>
             <a:endParaRPr lang="en-US" dirty="0"/>
-          </a:p>
-        </p:txBody>
-      </p:sp>
-      <p:sp>
-        <p:nvSpPr>
-          <p:cNvPr id="8" name="Footer Placeholder 7">
-            <a:extLst>
-              <a:ext uri="{FF2B5EF4-FFF2-40B4-BE49-F238E27FC236}">
-                <a16:creationId xmlns:a16="http://schemas.microsoft.com/office/drawing/2014/main" id="{C2343568-9331-7A48-9D07-C332D71BD676}"/>
-              </a:ext>
-            </a:extLst>
-          </p:cNvPr>
-          <p:cNvSpPr>
-            <a:spLocks noGrp="1"/>
-          </p:cNvSpPr>
-          <p:nvPr>
-            <p:ph type="ftr" sz="quarter" idx="11"/>
-          </p:nvPr>
-        </p:nvSpPr>
-        <p:spPr/>
-        <p:txBody>
-          <a:bodyPr/>
-          <a:lstStyle/>
-          <a:p>
-            <a:r>
-              <a:rPr lang="en-US" dirty="0"/>
-              <a:t>Copyright © 2020 SPIKE Prime Lessons (primelessons.org) CC-BY-NC-SA.  (Last edit: 5/30/2020)</a:t>
-            </a:r>
           </a:p>
         </p:txBody>
       </p:sp>
@@ -16029,6 +16644,39 @@
           </a:p>
         </p:txBody>
       </p:sp>
+      <p:sp>
+        <p:nvSpPr>
+          <p:cNvPr id="20" name="Footer Placeholder 3">
+            <a:extLst>
+              <a:ext uri="{FF2B5EF4-FFF2-40B4-BE49-F238E27FC236}">
+                <a16:creationId xmlns:a16="http://schemas.microsoft.com/office/drawing/2014/main" id="{92E400D8-F060-4475-8099-36E038D746F1}"/>
+              </a:ext>
+            </a:extLst>
+          </p:cNvPr>
+          <p:cNvSpPr>
+            <a:spLocks noGrp="1"/>
+          </p:cNvSpPr>
+          <p:nvPr>
+            <p:ph type="ftr" sz="quarter" idx="11"/>
+          </p:nvPr>
+        </p:nvSpPr>
+        <p:spPr>
+          <a:xfrm>
+            <a:off x="88409" y="6320803"/>
+            <a:ext cx="4870585" cy="365125"/>
+          </a:xfrm>
+        </p:spPr>
+        <p:txBody>
+          <a:bodyPr/>
+          <a:lstStyle/>
+          <a:p>
+            <a:r>
+              <a:rPr lang="en-US" dirty="0"/>
+              <a:t>Copyright © 2020 SPIKE Prime Lessons (primelessons.org) CC-BY-NC-SA.  (Last edit: 07/12/2020)</a:t>
+            </a:r>
+          </a:p>
+        </p:txBody>
+      </p:sp>
     </p:spTree>
     <p:extLst>
       <p:ext uri="{BB962C8B-B14F-4D97-AF65-F5344CB8AC3E}">
@@ -16087,31 +16735,35 @@
           </a:bodyPr>
           <a:lstStyle/>
           <a:p>
+            <a:pPr algn="just"/>
             <a:r>
               <a:rPr lang="pt-BR" dirty="0"/>
               <a:t>Configure seu robô</a:t>
             </a:r>
           </a:p>
           <a:p>
+            <a:pPr algn="just"/>
             <a:r>
               <a:rPr lang="pt-BR" dirty="0"/>
               <a:t>Se você esta usando as rodas pequenas do SPIKE Prime no Droid Bot IV, defina uma rotação para 17,5 (imagem à direita)</a:t>
             </a:r>
           </a:p>
           <a:p>
+            <a:pPr algn="just"/>
             <a:r>
               <a:rPr lang="pt-BR" dirty="0"/>
               <a:t>Se você esta usando as rodas grandes do SPIKE Prime na BMA, defina a rotação para 27,6cm.</a:t>
             </a:r>
           </a:p>
           <a:p>
+            <a:pPr algn="just"/>
             <a:r>
               <a:rPr lang="pt-BR" dirty="0"/>
               <a:t>O robô se move para frente por 40cm e depois para trás por 40cm</a:t>
             </a:r>
           </a:p>
           <a:p>
-            <a:pPr marL="0" indent="0">
+            <a:pPr marL="0" indent="0" algn="just">
               <a:buNone/>
             </a:pPr>
             <a:endParaRPr lang="en-US" dirty="0"/>
@@ -16144,34 +16796,6 @@
             <a:r>
               <a:rPr lang="en-US" dirty="0"/>
               <a:t>desafio ii solução</a:t>
-            </a:r>
-          </a:p>
-        </p:txBody>
-      </p:sp>
-      <p:sp>
-        <p:nvSpPr>
-          <p:cNvPr id="4" name="Footer Placeholder 3">
-            <a:extLst>
-              <a:ext uri="{FF2B5EF4-FFF2-40B4-BE49-F238E27FC236}">
-                <a16:creationId xmlns:a16="http://schemas.microsoft.com/office/drawing/2014/main" id="{F52252CE-D7C8-4ED1-B7D3-717F38748A37}"/>
-              </a:ext>
-            </a:extLst>
-          </p:cNvPr>
-          <p:cNvSpPr>
-            <a:spLocks noGrp="1"/>
-          </p:cNvSpPr>
-          <p:nvPr>
-            <p:ph type="ftr" sz="quarter" idx="11"/>
-          </p:nvPr>
-        </p:nvSpPr>
-        <p:spPr/>
-        <p:txBody>
-          <a:bodyPr/>
-          <a:lstStyle/>
-          <a:p>
-            <a:r>
-              <a:rPr lang="en-US" dirty="0"/>
-              <a:t>Copyright © 2020 SPIKE Prime Lessons (primelessons.org) CC-BY-NC-SA.  (Last edit: 5/30/2020)</a:t>
             </a:r>
           </a:p>
         </p:txBody>
@@ -16235,6 +16859,39 @@
           </a:prstGeom>
         </p:spPr>
       </p:pic>
+      <p:sp>
+        <p:nvSpPr>
+          <p:cNvPr id="7" name="Footer Placeholder 3">
+            <a:extLst>
+              <a:ext uri="{FF2B5EF4-FFF2-40B4-BE49-F238E27FC236}">
+                <a16:creationId xmlns:a16="http://schemas.microsoft.com/office/drawing/2014/main" id="{DF52999A-D594-4B12-98B8-C583AD85268C}"/>
+              </a:ext>
+            </a:extLst>
+          </p:cNvPr>
+          <p:cNvSpPr>
+            <a:spLocks noGrp="1"/>
+          </p:cNvSpPr>
+          <p:nvPr>
+            <p:ph type="ftr" sz="quarter" idx="11"/>
+          </p:nvPr>
+        </p:nvSpPr>
+        <p:spPr>
+          <a:xfrm>
+            <a:off x="88409" y="6320803"/>
+            <a:ext cx="4870585" cy="365125"/>
+          </a:xfrm>
+        </p:spPr>
+        <p:txBody>
+          <a:bodyPr/>
+          <a:lstStyle/>
+          <a:p>
+            <a:r>
+              <a:rPr lang="en-US" dirty="0"/>
+              <a:t>Copyright © 2020 SPIKE Prime Lessons (primelessons.org) CC-BY-NC-SA.  (Last edit: 07/12/2020)</a:t>
+            </a:r>
+          </a:p>
+        </p:txBody>
+      </p:sp>
     </p:spTree>
     <p:extLst>
       <p:ext uri="{BB962C8B-B14F-4D97-AF65-F5344CB8AC3E}">
@@ -16311,7 +16968,7 @@
           </a:bodyPr>
           <a:lstStyle/>
           <a:p>
-            <a:pPr marL="342900" indent="-342900">
+            <a:pPr marL="342900" indent="-342900" algn="just">
               <a:buFont typeface="Arial"/>
               <a:buChar char="•"/>
             </a:pPr>
@@ -16321,7 +16978,7 @@
             </a:r>
           </a:p>
           <a:p>
-            <a:pPr marL="342900" indent="-342900">
+            <a:pPr marL="342900" indent="-342900" algn="just">
               <a:buFont typeface="Arial"/>
               <a:buChar char="•"/>
             </a:pPr>
@@ -16339,7 +16996,7 @@
             </a:r>
           </a:p>
           <a:p>
-            <a:pPr marL="342900" indent="-342900">
+            <a:pPr marL="342900" indent="-342900" algn="just">
               <a:buFont typeface="Arial"/>
               <a:buChar char="•"/>
             </a:pPr>
@@ -16349,7 +17006,7 @@
             </a:r>
           </a:p>
           <a:p>
-            <a:pPr marL="342900" indent="-342900">
+            <a:pPr marL="342900" indent="-342900" algn="just">
               <a:buFont typeface="Arial"/>
               <a:buChar char="•"/>
             </a:pPr>
@@ -16359,42 +17016,20 @@
             </a:r>
           </a:p>
           <a:p>
-            <a:pPr marL="342900" indent="-342900">
+            <a:pPr marL="342900" indent="-342900" algn="just">
               <a:buFont typeface="Arial"/>
               <a:buChar char="•"/>
             </a:pPr>
             <a:r>
               <a:rPr lang="pt-BR" dirty="0"/>
-              <a:t>“Parar de mover” irá parar ambos os motores independentemente do que ele estavam fazendo.</a:t>
-            </a:r>
-          </a:p>
-          <a:p>
-            <a:pPr marL="0" indent="0">
+              <a:t>“Parar de mover” irá parar ambos os motores independentemente do que ele estiverem fazendo.</a:t>
+            </a:r>
+          </a:p>
+          <a:p>
+            <a:pPr marL="0" indent="0" algn="just">
               <a:buNone/>
             </a:pPr>
             <a:endParaRPr lang="en-US" dirty="0"/>
-          </a:p>
-        </p:txBody>
-      </p:sp>
-      <p:sp>
-        <p:nvSpPr>
-          <p:cNvPr id="4" name="Footer Placeholder 3"/>
-          <p:cNvSpPr>
-            <a:spLocks noGrp="1"/>
-          </p:cNvSpPr>
-          <p:nvPr>
-            <p:ph type="ftr" sz="quarter" idx="11"/>
-          </p:nvPr>
-        </p:nvSpPr>
-        <p:spPr/>
-        <p:txBody>
-          <a:bodyPr/>
-          <a:lstStyle/>
-          <a:p>
-            <a:r>
-              <a:rPr lang="en-US" dirty="0"/>
-              <a:t>Copyright © 2020 SPIKE Prime Lessons (primelessons.org) CC-BY-NC-SA.  (Last edit: 5/30/2020)</a:t>
-            </a:r>
           </a:p>
         </p:txBody>
       </p:sp>
@@ -16542,6 +17177,39 @@
               <a:t>12</a:t>
             </a:fld>
             <a:endParaRPr lang="en-US" dirty="0"/>
+          </a:p>
+        </p:txBody>
+      </p:sp>
+      <p:sp>
+        <p:nvSpPr>
+          <p:cNvPr id="10" name="Footer Placeholder 3">
+            <a:extLst>
+              <a:ext uri="{FF2B5EF4-FFF2-40B4-BE49-F238E27FC236}">
+                <a16:creationId xmlns:a16="http://schemas.microsoft.com/office/drawing/2014/main" id="{C93AA460-4DF4-45F1-9A21-D46018A7E298}"/>
+              </a:ext>
+            </a:extLst>
+          </p:cNvPr>
+          <p:cNvSpPr>
+            <a:spLocks noGrp="1"/>
+          </p:cNvSpPr>
+          <p:nvPr>
+            <p:ph type="ftr" sz="quarter" idx="11"/>
+          </p:nvPr>
+        </p:nvSpPr>
+        <p:spPr>
+          <a:xfrm>
+            <a:off x="88409" y="6320803"/>
+            <a:ext cx="4870585" cy="365125"/>
+          </a:xfrm>
+        </p:spPr>
+        <p:txBody>
+          <a:bodyPr/>
+          <a:lstStyle/>
+          <a:p>
+            <a:r>
+              <a:rPr lang="en-US" dirty="0"/>
+              <a:t>Copyright © 2020 SPIKE Prime Lessons (primelessons.org) CC-BY-NC-SA.  (Last edit: 07/12/2020)</a:t>
+            </a:r>
           </a:p>
         </p:txBody>
       </p:sp>
@@ -16635,7 +17303,7 @@
           <a:p>
             <a:r>
               <a:rPr lang="pt-BR" dirty="0"/>
-              <a:t>Como os blocos Iniciar e Parar de mover são executados instantaneamente, eles devem ser usado com outros blocos para serem uteis. Uma forma de fazer isso é com os blocos “Esperar”. Blocos esperar atrasam a execução do programa até que um evento aconteça.  A lição sobre sensores cobrirá o bloco esperar com mais detalhes</a:t>
+              <a:t>Como os blocos Iniciar e Parar de mover são executados instantaneamente, eles devem ser usado com outros blocos para serem úteis. Uma forma de fazer isso é com os blocos “Esperar”. Blocos esperar atrasam a execução do programa até que um evento aconteça.  A lição sobre sensores cobrirá o bloco esperar com mais detalhes</a:t>
             </a:r>
           </a:p>
           <a:p>
@@ -16657,34 +17325,6 @@
             <a:r>
               <a:rPr lang="pt-BR" dirty="0"/>
               <a:t>Esse bloco leva os segundos definidos nele para executar;</a:t>
-            </a:r>
-          </a:p>
-        </p:txBody>
-      </p:sp>
-      <p:sp>
-        <p:nvSpPr>
-          <p:cNvPr id="4" name="Footer Placeholder 3">
-            <a:extLst>
-              <a:ext uri="{FF2B5EF4-FFF2-40B4-BE49-F238E27FC236}">
-                <a16:creationId xmlns:a16="http://schemas.microsoft.com/office/drawing/2014/main" id="{311E1362-5AE5-9F49-B591-B26344D19024}"/>
-              </a:ext>
-            </a:extLst>
-          </p:cNvPr>
-          <p:cNvSpPr>
-            <a:spLocks noGrp="1"/>
-          </p:cNvSpPr>
-          <p:nvPr>
-            <p:ph type="ftr" sz="quarter" idx="11"/>
-          </p:nvPr>
-        </p:nvSpPr>
-        <p:spPr/>
-        <p:txBody>
-          <a:bodyPr/>
-          <a:lstStyle/>
-          <a:p>
-            <a:r>
-              <a:rPr lang="en-US" dirty="0"/>
-              <a:t>Copyright © 2020 SPIKE Prime Lessons (primelessons.org) CC-BY-NC-SA.  (Last edit: 5/30/2020)</a:t>
             </a:r>
           </a:p>
         </p:txBody>
@@ -16812,6 +17452,39 @@
                 <a:schemeClr val="tx1"/>
               </a:solidFill>
             </a:endParaRPr>
+          </a:p>
+        </p:txBody>
+      </p:sp>
+      <p:sp>
+        <p:nvSpPr>
+          <p:cNvPr id="8" name="Footer Placeholder 3">
+            <a:extLst>
+              <a:ext uri="{FF2B5EF4-FFF2-40B4-BE49-F238E27FC236}">
+                <a16:creationId xmlns:a16="http://schemas.microsoft.com/office/drawing/2014/main" id="{81920514-96B2-41AF-AA93-9F4C47B563BC}"/>
+              </a:ext>
+            </a:extLst>
+          </p:cNvPr>
+          <p:cNvSpPr>
+            <a:spLocks noGrp="1"/>
+          </p:cNvSpPr>
+          <p:nvPr>
+            <p:ph type="ftr" sz="quarter" idx="11"/>
+          </p:nvPr>
+        </p:nvSpPr>
+        <p:spPr>
+          <a:xfrm>
+            <a:off x="88409" y="6320803"/>
+            <a:ext cx="4870585" cy="365125"/>
+          </a:xfrm>
+        </p:spPr>
+        <p:txBody>
+          <a:bodyPr/>
+          <a:lstStyle/>
+          <a:p>
+            <a:r>
+              <a:rPr lang="en-US" dirty="0"/>
+              <a:t>Copyright © 2020 SPIKE Prime Lessons (primelessons.org) CC-BY-NC-SA.  (Last edit: 07/12/2020)</a:t>
+            </a:r>
           </a:p>
         </p:txBody>
       </p:sp>
@@ -16905,35 +17578,15 @@
           <a:p>
             <a:r>
               <a:rPr lang="en-US" dirty="0"/>
-              <a:t>Você pode andar por 3 segundos usando só os blocos Iniciar a Mover e Espere?</a:t>
-            </a:r>
-          </a:p>
-        </p:txBody>
-      </p:sp>
-      <p:sp>
-        <p:nvSpPr>
-          <p:cNvPr id="6" name="Footer Placeholder 5">
-            <a:extLst>
-              <a:ext uri="{FF2B5EF4-FFF2-40B4-BE49-F238E27FC236}">
-                <a16:creationId xmlns:a16="http://schemas.microsoft.com/office/drawing/2014/main" id="{473F7615-8139-9344-8602-E82DD296A2DE}"/>
-              </a:ext>
-            </a:extLst>
-          </p:cNvPr>
-          <p:cNvSpPr>
-            <a:spLocks noGrp="1"/>
-          </p:cNvSpPr>
-          <p:nvPr>
-            <p:ph type="ftr" sz="quarter" idx="11"/>
-          </p:nvPr>
-        </p:nvSpPr>
-        <p:spPr/>
-        <p:txBody>
-          <a:bodyPr/>
-          <a:lstStyle/>
-          <a:p>
+              <a:t>Você pode andar por 3 segundos usando só os blocos Iniciar a Mover e </a:t>
+            </a:r>
+            <a:r>
+              <a:rPr lang="en-US" dirty="0" err="1"/>
+              <a:t>Espera</a:t>
+            </a:r>
             <a:r>
               <a:rPr lang="en-US" dirty="0"/>
-              <a:t>Copyright © 2020 SPIKE Prime Lessons (primelessons.org) CC-BY-NC-SA.  (Last edit: 5/30/2020)</a:t>
+              <a:t>?</a:t>
             </a:r>
           </a:p>
         </p:txBody>
@@ -16955,7 +17608,7 @@
         <p:spPr>
           <a:xfrm>
             <a:off x="4625903" y="2666705"/>
-            <a:ext cx="3730873" cy="2298701"/>
+            <a:ext cx="3424493" cy="2521022"/>
           </a:xfrm>
           <a:prstGeom prst="rect">
             <a:avLst/>
@@ -16963,7 +17616,7 @@
         </p:spPr>
         <p:txBody>
           <a:bodyPr vert="horz" lIns="91440" tIns="45720" rIns="91440" bIns="45720" rtlCol="0" anchor="t">
-            <a:normAutofit/>
+            <a:normAutofit lnSpcReduction="10000"/>
           </a:bodyPr>
           <a:lstStyle>
             <a:lvl1pPr marL="306000" indent="-306000" algn="l" defTabSz="457200" rtl="0" eaLnBrk="1" latinLnBrk="0" hangingPunct="1">
@@ -17166,18 +17819,21 @@
             </a:lvl9pPr>
           </a:lstStyle>
           <a:p>
+            <a:pPr algn="just"/>
             <a:r>
               <a:rPr lang="pt-BR" dirty="0"/>
               <a:t>O Iniciar a mover inicia a movimentação do robô.</a:t>
             </a:r>
           </a:p>
           <a:p>
+            <a:pPr algn="just"/>
             <a:r>
               <a:rPr lang="pt-BR" dirty="0"/>
-              <a:t>Após ligar os motores o programa começa a executar o bloco Espere. Essa etapa leva 3 segundos.</a:t>
-            </a:r>
-          </a:p>
-          <a:p>
+              <a:t>Após ligar os motores o programa começa a executar o bloco Espera. Essa etapa leva 3 segundos.</a:t>
+            </a:r>
+          </a:p>
+          <a:p>
+            <a:pPr algn="just"/>
             <a:r>
               <a:rPr lang="pt-BR" dirty="0"/>
               <a:t>O Parar de Mover faz o robô parar.</a:t>
@@ -17241,6 +17897,39 @@
               <a:t>14</a:t>
             </a:fld>
             <a:endParaRPr lang="en-US" dirty="0"/>
+          </a:p>
+        </p:txBody>
+      </p:sp>
+      <p:sp>
+        <p:nvSpPr>
+          <p:cNvPr id="8" name="Footer Placeholder 3">
+            <a:extLst>
+              <a:ext uri="{FF2B5EF4-FFF2-40B4-BE49-F238E27FC236}">
+                <a16:creationId xmlns:a16="http://schemas.microsoft.com/office/drawing/2014/main" id="{3F5BF030-3A0A-4FFC-A783-CFC46E062444}"/>
+              </a:ext>
+            </a:extLst>
+          </p:cNvPr>
+          <p:cNvSpPr>
+            <a:spLocks noGrp="1"/>
+          </p:cNvSpPr>
+          <p:nvPr>
+            <p:ph type="ftr" sz="quarter" idx="11"/>
+          </p:nvPr>
+        </p:nvSpPr>
+        <p:spPr>
+          <a:xfrm>
+            <a:off x="88409" y="6320803"/>
+            <a:ext cx="4870585" cy="365125"/>
+          </a:xfrm>
+        </p:spPr>
+        <p:txBody>
+          <a:bodyPr/>
+          <a:lstStyle/>
+          <a:p>
+            <a:r>
+              <a:rPr lang="en-US" dirty="0"/>
+              <a:t>Copyright © 2020 SPIKE Prime Lessons (primelessons.org) CC-BY-NC-SA.  (Last edit: 07/12/2020)</a:t>
+            </a:r>
           </a:p>
         </p:txBody>
       </p:sp>
@@ -17339,7 +18028,15 @@
           <a:p>
             <a:r>
               <a:rPr lang="en-US" sz="1600" dirty="0"/>
-              <a:t>Traduzido para o português por Lucas Colonna</a:t>
+              <a:t>Traduzido para o português por Lucas Colonna e </a:t>
+            </a:r>
+            <a:r>
+              <a:rPr lang="en-US" sz="1600" dirty="0" err="1"/>
+              <a:t>revisado</a:t>
+            </a:r>
+            <a:r>
+              <a:rPr lang="en-US" sz="1600" dirty="0"/>
+              <a:t> por Anderson Harayashiki Moreira </a:t>
             </a:r>
           </a:p>
         </p:txBody>
@@ -17361,7 +18058,7 @@
           <a:p>
             <a:r>
               <a:rPr lang="en-US" dirty="0"/>
-              <a:t>Copyright © 2020 SPIKE Prime Lessons (primelessons.org) CC-BY-NC-SA.  (Last edit: 5/30/2020)</a:t>
+              <a:t>Copyright © 2020 SPIKE Prime Lessons (primelessons.org) CC-BY-NC-SA.  (Last edit: 07/12/2020)</a:t>
             </a:r>
           </a:p>
         </p:txBody>
@@ -17391,7 +18088,7 @@
           <a:effectLst/>
           <a:extLst>
             <a:ext uri="{91240B29-F687-4f45-9708-019B960494DF}">
-              <a14:hiddenLine xmlns="" xmlns:a14="http://schemas.microsoft.com/office/drawing/2010/main" w="9525">
+              <a14:hiddenLine xmlns:a14="http://schemas.microsoft.com/office/drawing/2010/main" xmlns="" w="9525">
                 <a:solidFill>
                   <a:schemeClr val="tx1"/>
                 </a:solidFill>
@@ -17401,7 +18098,7 @@
               </a14:hiddenLine>
             </a:ext>
             <a:ext uri="{AF507438-7753-43e0-B8FC-AC1667EBCBE1}">
-              <a14:hiddenEffects xmlns="" xmlns:a14="http://schemas.microsoft.com/office/drawing/2010/main">
+              <a14:hiddenEffects xmlns:a14="http://schemas.microsoft.com/office/drawing/2010/main" xmlns="">
                 <a:effectLst>
                   <a:outerShdw dist="35921" dir="2700000" algn="ctr" rotWithShape="0">
                     <a:schemeClr val="bg2"/>
@@ -17714,7 +18411,7 @@
           <a:noFill/>
           <a:extLst>
             <a:ext uri="{909E8E84-426E-40dd-AFC4-6F175D3DCCD1}">
-              <a14:hiddenFill xmlns="" xmlns:a14="http://schemas.microsoft.com/office/drawing/2010/main">
+              <a14:hiddenFill xmlns:a14="http://schemas.microsoft.com/office/drawing/2010/main" xmlns="">
                 <a:solidFill>
                   <a:srgbClr val="FFFFFF"/>
                 </a:solidFill>
@@ -17844,34 +18541,6 @@
       </p:sp>
       <p:sp>
         <p:nvSpPr>
-          <p:cNvPr id="4" name="Footer Placeholder 3">
-            <a:extLst>
-              <a:ext uri="{FF2B5EF4-FFF2-40B4-BE49-F238E27FC236}">
-                <a16:creationId xmlns:a16="http://schemas.microsoft.com/office/drawing/2014/main" id="{0F511978-D10A-AD43-B291-F6BC2E551E37}"/>
-              </a:ext>
-            </a:extLst>
-          </p:cNvPr>
-          <p:cNvSpPr>
-            <a:spLocks noGrp="1"/>
-          </p:cNvSpPr>
-          <p:nvPr>
-            <p:ph type="ftr" sz="quarter" idx="11"/>
-          </p:nvPr>
-        </p:nvSpPr>
-        <p:spPr/>
-        <p:txBody>
-          <a:bodyPr/>
-          <a:lstStyle/>
-          <a:p>
-            <a:r>
-              <a:rPr lang="en-US" dirty="0"/>
-              <a:t>Copyright © 2020 SPIKE Prime Lessons (primelessons.org) CC-BY-NC-SA.  (Last edit: 5/30/2020)</a:t>
-            </a:r>
-          </a:p>
-        </p:txBody>
-      </p:sp>
-      <p:sp>
-        <p:nvSpPr>
           <p:cNvPr id="5" name="Slide Number Placeholder 4">
             <a:extLst>
               <a:ext uri="{FF2B5EF4-FFF2-40B4-BE49-F238E27FC236}">
@@ -17896,6 +18565,39 @@
               <a:t>2</a:t>
             </a:fld>
             <a:endParaRPr lang="en-US" dirty="0"/>
+          </a:p>
+        </p:txBody>
+      </p:sp>
+      <p:sp>
+        <p:nvSpPr>
+          <p:cNvPr id="6" name="Footer Placeholder 3">
+            <a:extLst>
+              <a:ext uri="{FF2B5EF4-FFF2-40B4-BE49-F238E27FC236}">
+                <a16:creationId xmlns:a16="http://schemas.microsoft.com/office/drawing/2014/main" id="{E918027E-8F68-4BF9-B202-C48E88AD7029}"/>
+              </a:ext>
+            </a:extLst>
+          </p:cNvPr>
+          <p:cNvSpPr>
+            <a:spLocks noGrp="1"/>
+          </p:cNvSpPr>
+          <p:nvPr>
+            <p:ph type="ftr" sz="quarter" idx="11"/>
+          </p:nvPr>
+        </p:nvSpPr>
+        <p:spPr>
+          <a:xfrm>
+            <a:off x="88409" y="6320803"/>
+            <a:ext cx="4870585" cy="365125"/>
+          </a:xfrm>
+        </p:spPr>
+        <p:txBody>
+          <a:bodyPr/>
+          <a:lstStyle/>
+          <a:p>
+            <a:r>
+              <a:rPr lang="en-US" dirty="0"/>
+              <a:t>Copyright © 2020 SPIKE Prime Lessons (primelessons.org) CC-BY-NC-SA.  (Last edit: 07/12/2020)</a:t>
+            </a:r>
           </a:p>
         </p:txBody>
       </p:sp>
@@ -17951,7 +18653,7 @@
         </p:blipFill>
         <p:spPr>
           <a:xfrm>
-            <a:off x="810320" y="1471107"/>
+            <a:off x="396770" y="1471107"/>
             <a:ext cx="5186034" cy="1644714"/>
           </a:xfrm>
           <a:prstGeom prst="rect">
@@ -17972,7 +18674,7 @@
         <p:spPr/>
         <p:txBody>
           <a:bodyPr>
-            <a:normAutofit fontScale="90000"/>
+            <a:noAutofit/>
           </a:bodyPr>
           <a:lstStyle/>
           <a:p>
@@ -18017,41 +18719,13 @@
           <a:p>
             <a:r>
               <a:rPr lang="pt-BR" dirty="0"/>
-              <a:t>Bloco mover mais simples – só permite o controle de direção e distância.</a:t>
+              <a:t>O Bloco mover mais simples – só permite o controle de direção e distância.</a:t>
             </a:r>
           </a:p>
           <a:p>
             <a:r>
               <a:rPr lang="pt-BR" dirty="0"/>
               <a:t>Outros blocos mover dão mais controle sobre direção e velocidade.</a:t>
-            </a:r>
-          </a:p>
-        </p:txBody>
-      </p:sp>
-      <p:sp>
-        <p:nvSpPr>
-          <p:cNvPr id="3" name="Footer Placeholder 2">
-            <a:extLst>
-              <a:ext uri="{FF2B5EF4-FFF2-40B4-BE49-F238E27FC236}">
-                <a16:creationId xmlns:a16="http://schemas.microsoft.com/office/drawing/2014/main" id="{BD08C81B-506D-3D44-9337-E4F2B17990E7}"/>
-              </a:ext>
-            </a:extLst>
-          </p:cNvPr>
-          <p:cNvSpPr>
-            <a:spLocks noGrp="1"/>
-          </p:cNvSpPr>
-          <p:nvPr>
-            <p:ph type="ftr" sz="quarter" idx="11"/>
-          </p:nvPr>
-        </p:nvSpPr>
-        <p:spPr/>
-        <p:txBody>
-          <a:bodyPr/>
-          <a:lstStyle/>
-          <a:p>
-            <a:r>
-              <a:rPr lang="en-US" dirty="0"/>
-              <a:t>Copyright © 2020 SPIKE Prime Lessons (primelessons.org) CC-BY-NC-SA.  (Last edit: 5/30/2020)</a:t>
             </a:r>
           </a:p>
         </p:txBody>
@@ -18064,7 +18738,7 @@
         </p:nvSpPr>
         <p:spPr>
           <a:xfrm>
-            <a:off x="3287030" y="1436665"/>
+            <a:off x="2873480" y="1436665"/>
             <a:ext cx="2569940" cy="369332"/>
           </a:xfrm>
           <a:prstGeom prst="rect">
@@ -18102,7 +18776,7 @@
         </p:nvSpPr>
         <p:spPr>
           <a:xfrm>
-            <a:off x="509125" y="2782944"/>
+            <a:off x="95575" y="2782944"/>
             <a:ext cx="552531" cy="240273"/>
           </a:xfrm>
           <a:prstGeom prst="rect">
@@ -18161,7 +18835,7 @@
         </p:blipFill>
         <p:spPr>
           <a:xfrm>
-            <a:off x="4019555" y="2602145"/>
+            <a:off x="3606005" y="2602145"/>
             <a:ext cx="2215085" cy="1745072"/>
           </a:xfrm>
           <a:prstGeom prst="rect">
@@ -18177,7 +18851,7 @@
         </p:nvSpPr>
         <p:spPr>
           <a:xfrm>
-            <a:off x="4062201" y="4223537"/>
+            <a:off x="3648651" y="4223537"/>
             <a:ext cx="2172439" cy="369332"/>
           </a:xfrm>
           <a:prstGeom prst="rect">
@@ -18197,81 +18871,6 @@
             <a:r>
               <a:rPr lang="en-US" dirty="0"/>
               <a:t>Modo</a:t>
-            </a:r>
-          </a:p>
-        </p:txBody>
-      </p:sp>
-      <p:sp>
-        <p:nvSpPr>
-          <p:cNvPr id="26" name="Rectangle 25">
-            <a:extLst>
-              <a:ext uri="{FF2B5EF4-FFF2-40B4-BE49-F238E27FC236}">
-                <a16:creationId xmlns:a16="http://schemas.microsoft.com/office/drawing/2014/main" id="{08CDC762-E6CD-43FB-ABBE-0FB5FC294A3B}"/>
-              </a:ext>
-            </a:extLst>
-          </p:cNvPr>
-          <p:cNvSpPr/>
-          <p:nvPr/>
-        </p:nvSpPr>
-        <p:spPr>
-          <a:xfrm>
-            <a:off x="6372947" y="1389651"/>
-            <a:ext cx="2505845" cy="2833885"/>
-          </a:xfrm>
-          <a:prstGeom prst="rect">
-            <a:avLst/>
-          </a:prstGeom>
-          <a:solidFill>
-            <a:schemeClr val="bg1">
-              <a:lumMod val="95000"/>
-              <a:alpha val="38039"/>
-            </a:schemeClr>
-          </a:solidFill>
-          <a:ln>
-            <a:solidFill>
-              <a:schemeClr val="tx1"/>
-            </a:solidFill>
-          </a:ln>
-        </p:spPr>
-        <p:style>
-          <a:lnRef idx="2">
-            <a:schemeClr val="accent1">
-              <a:shade val="50000"/>
-            </a:schemeClr>
-          </a:lnRef>
-          <a:fillRef idx="1">
-            <a:schemeClr val="accent1"/>
-          </a:fillRef>
-          <a:effectRef idx="0">
-            <a:schemeClr val="accent1"/>
-          </a:effectRef>
-          <a:fontRef idx="minor">
-            <a:schemeClr val="lt1"/>
-          </a:fontRef>
-        </p:style>
-        <p:txBody>
-          <a:bodyPr rtlCol="0" anchor="b"/>
-          <a:lstStyle/>
-          <a:p>
-            <a:pPr algn="ctr"/>
-            <a:r>
-              <a:rPr lang="pt-BR" b="1" dirty="0">
-                <a:solidFill>
-                  <a:schemeClr val="tx1"/>
-                </a:solidFill>
-              </a:rPr>
-              <a:t>Configure o seu código</a:t>
-            </a:r>
-          </a:p>
-          <a:p>
-            <a:pPr algn="ctr"/>
-            <a:r>
-              <a:rPr lang="pt-BR" dirty="0">
-                <a:solidFill>
-                  <a:schemeClr val="tx1"/>
-                </a:solidFill>
-              </a:rPr>
-              <a:t>Para usar este bloco você deve ter definido a velocidade , modo de parada, portas dos motores e tamanho da roda. (Veja a lição  Configurando o movimento do seu robô)</a:t>
             </a:r>
           </a:p>
         </p:txBody>
@@ -18327,7 +18926,7 @@
         </p:blipFill>
         <p:spPr>
           <a:xfrm>
-            <a:off x="2031908" y="2521833"/>
+            <a:off x="1618358" y="2521833"/>
             <a:ext cx="1769967" cy="1860272"/>
           </a:xfrm>
           <a:prstGeom prst="rect">
@@ -18349,7 +18948,7 @@
         </p:nvSpPr>
         <p:spPr>
           <a:xfrm>
-            <a:off x="1579840" y="4210642"/>
+            <a:off x="1166290" y="4210642"/>
             <a:ext cx="2414052" cy="369332"/>
           </a:xfrm>
           <a:prstGeom prst="rect">
@@ -18369,6 +18968,114 @@
             <a:r>
               <a:rPr lang="en-US" dirty="0"/>
               <a:t>Direção</a:t>
+            </a:r>
+          </a:p>
+        </p:txBody>
+      </p:sp>
+      <p:sp>
+        <p:nvSpPr>
+          <p:cNvPr id="14" name="Rectangle 11">
+            <a:extLst>
+              <a:ext uri="{FF2B5EF4-FFF2-40B4-BE49-F238E27FC236}">
+                <a16:creationId xmlns:a16="http://schemas.microsoft.com/office/drawing/2014/main" id="{758C148B-6004-4974-98C4-03417A9A528B}"/>
+              </a:ext>
+            </a:extLst>
+          </p:cNvPr>
+          <p:cNvSpPr/>
+          <p:nvPr/>
+        </p:nvSpPr>
+        <p:spPr>
+          <a:xfrm>
+            <a:off x="5996726" y="1538252"/>
+            <a:ext cx="2737639" cy="2324469"/>
+          </a:xfrm>
+          <a:prstGeom prst="rect">
+            <a:avLst/>
+          </a:prstGeom>
+          <a:solidFill>
+            <a:schemeClr val="bg1">
+              <a:lumMod val="95000"/>
+              <a:alpha val="38039"/>
+            </a:schemeClr>
+          </a:solidFill>
+          <a:ln>
+            <a:solidFill>
+              <a:schemeClr val="tx1"/>
+            </a:solidFill>
+          </a:ln>
+        </p:spPr>
+        <p:style>
+          <a:lnRef idx="2">
+            <a:schemeClr val="accent1">
+              <a:shade val="50000"/>
+            </a:schemeClr>
+          </a:lnRef>
+          <a:fillRef idx="1">
+            <a:schemeClr val="accent1"/>
+          </a:fillRef>
+          <a:effectRef idx="0">
+            <a:schemeClr val="accent1"/>
+          </a:effectRef>
+          <a:fontRef idx="minor">
+            <a:schemeClr val="lt1"/>
+          </a:fontRef>
+        </p:style>
+        <p:txBody>
+          <a:bodyPr rtlCol="0" anchor="b"/>
+          <a:lstStyle/>
+          <a:p>
+            <a:pPr algn="ctr"/>
+            <a:r>
+              <a:rPr lang="pt-BR" b="1" u="sng" dirty="0">
+                <a:solidFill>
+                  <a:schemeClr val="tx1"/>
+                </a:solidFill>
+              </a:rPr>
+              <a:t>Configure o seu código</a:t>
+            </a:r>
+          </a:p>
+          <a:p>
+            <a:pPr algn="ctr"/>
+            <a:r>
+              <a:rPr lang="pt-BR" dirty="0">
+                <a:solidFill>
+                  <a:schemeClr val="tx1"/>
+                </a:solidFill>
+              </a:rPr>
+              <a:t>Para usar este bloco você deve ter definido a velocidade , modo de parada, portas dos motores e tamanho da roda. (Veja a lição  Configurando o movimento do seu robô)</a:t>
+            </a:r>
+          </a:p>
+        </p:txBody>
+      </p:sp>
+      <p:sp>
+        <p:nvSpPr>
+          <p:cNvPr id="15" name="Footer Placeholder 3">
+            <a:extLst>
+              <a:ext uri="{FF2B5EF4-FFF2-40B4-BE49-F238E27FC236}">
+                <a16:creationId xmlns:a16="http://schemas.microsoft.com/office/drawing/2014/main" id="{29F43184-E7FE-4369-AE61-E7A761918C55}"/>
+              </a:ext>
+            </a:extLst>
+          </p:cNvPr>
+          <p:cNvSpPr>
+            <a:spLocks noGrp="1"/>
+          </p:cNvSpPr>
+          <p:nvPr>
+            <p:ph type="ftr" sz="quarter" idx="11"/>
+          </p:nvPr>
+        </p:nvSpPr>
+        <p:spPr>
+          <a:xfrm>
+            <a:off x="88409" y="6320803"/>
+            <a:ext cx="4870585" cy="365125"/>
+          </a:xfrm>
+        </p:spPr>
+        <p:txBody>
+          <a:bodyPr/>
+          <a:lstStyle/>
+          <a:p>
+            <a:r>
+              <a:rPr lang="en-US" dirty="0"/>
+              <a:t>Copyright © 2020 SPIKE Prime Lessons (primelessons.org) CC-BY-NC-SA.  (Last edit: 07/12/2020)</a:t>
             </a:r>
           </a:p>
         </p:txBody>
@@ -18455,49 +19162,24 @@
           </a:bodyPr>
           <a:lstStyle/>
           <a:p>
+            <a:pPr algn="just"/>
             <a:r>
               <a:rPr lang="pt-BR" dirty="0"/>
               <a:t>Esse bloco lhe permite controlar a direção e a duração do movimento dos robôs.</a:t>
             </a:r>
           </a:p>
           <a:p>
+            <a:pPr algn="just"/>
             <a:r>
               <a:rPr lang="pt-BR" dirty="0"/>
-              <a:t>Esse bloco controla a direção ao fornecer potencias diferentes para as rodas esquerda e direita. “reto:0” como valor de direção implica em potenciais iguais para ambas as rodas, o que faz o robô ir reto. Direita:100 e esquerda: -100 resulta em potência máxima para ambas as rodas, mas em direções opostas, o que faz o robô rodar para a direita ou esquerda.</a:t>
-            </a:r>
-          </a:p>
-          <a:p>
+              <a:t>Esse bloco controla a direção ao fornecer potências diferentes para as rodas da esquerda e direita. “reto: 0” como valor de direção implica em potências iguais para ambas as rodas, o que faz o robô ir reto. Direita: 100 e esquerda: -100 resulta em potência máxima para ambas as rodas, mas em direções opostas, o que faz o robô virar para a direita ou esquerda.</a:t>
+            </a:r>
+          </a:p>
+          <a:p>
+            <a:pPr algn="just"/>
             <a:r>
               <a:rPr lang="pt-BR" dirty="0"/>
-              <a:t>Os valores de direção do SPIKE Prime são menos graduais do que os do EV3. Por exemplo, direita:99 e esquerda:-99 param uma roda e movimentam a outra-levando a uma curva “pivot”. No EV3, isso quer direção = 50 ou -50.</a:t>
-            </a:r>
-          </a:p>
-        </p:txBody>
-      </p:sp>
-      <p:sp>
-        <p:nvSpPr>
-          <p:cNvPr id="3" name="Footer Placeholder 2">
-            <a:extLst>
-              <a:ext uri="{FF2B5EF4-FFF2-40B4-BE49-F238E27FC236}">
-                <a16:creationId xmlns:a16="http://schemas.microsoft.com/office/drawing/2014/main" id="{AA4A07B9-C9D0-7B43-84AC-75615E0A927C}"/>
-              </a:ext>
-            </a:extLst>
-          </p:cNvPr>
-          <p:cNvSpPr>
-            <a:spLocks noGrp="1"/>
-          </p:cNvSpPr>
-          <p:nvPr>
-            <p:ph type="ftr" sz="quarter" idx="11"/>
-          </p:nvPr>
-        </p:nvSpPr>
-        <p:spPr/>
-        <p:txBody>
-          <a:bodyPr/>
-          <a:lstStyle/>
-          <a:p>
-            <a:r>
-              <a:rPr lang="en-US" dirty="0"/>
-              <a:t>Copyright © 2020 SPIKE Prime Lessons (primelessons.org) CC-BY-NC-SA.  (Last edit: 5/30/2020)</a:t>
+              <a:t>Os valores de direção do SPIKE Prime são menos graduais do que os do EV3. Por exemplo, direita: 99 e esquerda: -99 param uma roda e movimentam a outra - levando a uma curva em torno do eixo do robô. No EV3, isso necessita direção = 50 ou -50.</a:t>
             </a:r>
           </a:p>
         </p:txBody>
@@ -18677,8 +19359,8 @@
         </p:nvSpPr>
         <p:spPr>
           <a:xfrm>
-            <a:off x="6347706" y="1151454"/>
-            <a:ext cx="2505845" cy="2873930"/>
+            <a:off x="5996726" y="1538252"/>
+            <a:ext cx="2737639" cy="2324469"/>
           </a:xfrm>
           <a:prstGeom prst="rect">
             <a:avLst/>
@@ -18717,7 +19399,7 @@
           <a:p>
             <a:pPr algn="ctr"/>
             <a:r>
-              <a:rPr lang="pt-BR" b="1" dirty="0">
+              <a:rPr lang="pt-BR" b="1" u="sng" dirty="0">
                 <a:solidFill>
                   <a:schemeClr val="tx1"/>
                 </a:solidFill>
@@ -18764,6 +19446,39 @@
               <a:t>4</a:t>
             </a:fld>
             <a:endParaRPr lang="en-US" dirty="0"/>
+          </a:p>
+        </p:txBody>
+      </p:sp>
+      <p:sp>
+        <p:nvSpPr>
+          <p:cNvPr id="13" name="Footer Placeholder 3">
+            <a:extLst>
+              <a:ext uri="{FF2B5EF4-FFF2-40B4-BE49-F238E27FC236}">
+                <a16:creationId xmlns:a16="http://schemas.microsoft.com/office/drawing/2014/main" id="{3DC841A8-F38F-436F-8FC8-E92967AA19ED}"/>
+              </a:ext>
+            </a:extLst>
+          </p:cNvPr>
+          <p:cNvSpPr>
+            <a:spLocks noGrp="1"/>
+          </p:cNvSpPr>
+          <p:nvPr>
+            <p:ph type="ftr" sz="quarter" idx="11"/>
+          </p:nvPr>
+        </p:nvSpPr>
+        <p:spPr>
+          <a:xfrm>
+            <a:off x="88409" y="6320803"/>
+            <a:ext cx="4870585" cy="365125"/>
+          </a:xfrm>
+        </p:spPr>
+        <p:txBody>
+          <a:bodyPr/>
+          <a:lstStyle/>
+          <a:p>
+            <a:r>
+              <a:rPr lang="en-US" dirty="0"/>
+              <a:t>Copyright © 2020 SPIKE Prime Lessons (primelessons.org) CC-BY-NC-SA.  (Last edit: 07/12/2020)</a:t>
+            </a:r>
           </a:p>
         </p:txBody>
       </p:sp>
@@ -18840,12 +19555,12 @@
         <p:spPr/>
         <p:txBody>
           <a:bodyPr>
-            <a:normAutofit fontScale="90000"/>
+            <a:noAutofit/>
           </a:bodyPr>
           <a:lstStyle/>
           <a:p>
             <a:r>
-              <a:rPr lang="en-US" dirty="0"/>
+              <a:rPr lang="en-US" sz="2400" dirty="0"/>
               <a:t>Mover por duração com direção a uma velocidade</a:t>
             </a:r>
           </a:p>
@@ -18869,8 +19584,8 @@
         </p:nvSpPr>
         <p:spPr>
           <a:xfrm>
-            <a:off x="265208" y="3544288"/>
-            <a:ext cx="8527414" cy="2599520"/>
+            <a:off x="265208" y="3856936"/>
+            <a:ext cx="8527414" cy="2479862"/>
           </a:xfrm>
         </p:spPr>
         <p:txBody>
@@ -18879,49 +19594,24 @@
           </a:bodyPr>
           <a:lstStyle/>
           <a:p>
+            <a:pPr algn="just"/>
             <a:r>
               <a:rPr lang="pt-BR" dirty="0"/>
               <a:t>Este bloco é como o “Mova por duração”, mas ao invés de usar a velocidade “padrão” que você especificou, usará a definida no bloco.</a:t>
             </a:r>
           </a:p>
           <a:p>
+            <a:pPr algn="just"/>
             <a:r>
               <a:rPr lang="pt-BR" dirty="0"/>
               <a:t>Ele é útil caso queira fazer um movimento mais devagar ou rápido.</a:t>
             </a:r>
           </a:p>
           <a:p>
+            <a:pPr algn="just"/>
             <a:r>
               <a:rPr lang="pt-BR" dirty="0"/>
-              <a:t>O bloco deve ser adicionado a paleta de blocos usando extensões. Ele esta na paleta “Mais movimento” </a:t>
-            </a:r>
-          </a:p>
-        </p:txBody>
-      </p:sp>
-      <p:sp>
-        <p:nvSpPr>
-          <p:cNvPr id="3" name="Footer Placeholder 2">
-            <a:extLst>
-              <a:ext uri="{FF2B5EF4-FFF2-40B4-BE49-F238E27FC236}">
-                <a16:creationId xmlns:a16="http://schemas.microsoft.com/office/drawing/2014/main" id="{F95DCBCB-81EF-AA42-B43F-80AC52427445}"/>
-              </a:ext>
-            </a:extLst>
-          </p:cNvPr>
-          <p:cNvSpPr>
-            <a:spLocks noGrp="1"/>
-          </p:cNvSpPr>
-          <p:nvPr>
-            <p:ph type="ftr" sz="quarter" idx="11"/>
-          </p:nvPr>
-        </p:nvSpPr>
-        <p:spPr/>
-        <p:txBody>
-          <a:bodyPr/>
-          <a:lstStyle/>
-          <a:p>
-            <a:r>
-              <a:rPr lang="en-US" dirty="0"/>
-              <a:t>Copyright © 2020 SPIKE Prime Lessons (primelessons.org) CC-BY-NC-SA.  (Last edit: 5/30/2020)</a:t>
+              <a:t>O bloco deve ser adicionado a paleta de blocos usando Extensões. Ele está na paleta “Mais movimento” </a:t>
             </a:r>
           </a:p>
         </p:txBody>
@@ -19068,10 +19758,39 @@
       </p:sp>
       <p:sp>
         <p:nvSpPr>
-          <p:cNvPr id="12" name="Rectangle 11">
+          <p:cNvPr id="4" name="Slide Number Placeholder 3">
             <a:extLst>
               <a:ext uri="{FF2B5EF4-FFF2-40B4-BE49-F238E27FC236}">
-                <a16:creationId xmlns:a16="http://schemas.microsoft.com/office/drawing/2014/main" id="{ED58AA70-CDAD-4B2D-B9FB-78D95FDCD982}"/>
+                <a16:creationId xmlns:a16="http://schemas.microsoft.com/office/drawing/2014/main" id="{68A69F89-C15D-45DB-B7E9-E8B51EA5B1DE}"/>
+              </a:ext>
+            </a:extLst>
+          </p:cNvPr>
+          <p:cNvSpPr>
+            <a:spLocks noGrp="1"/>
+          </p:cNvSpPr>
+          <p:nvPr>
+            <p:ph type="sldNum" sz="quarter" idx="12"/>
+          </p:nvPr>
+        </p:nvSpPr>
+        <p:spPr/>
+        <p:txBody>
+          <a:bodyPr/>
+          <a:lstStyle/>
+          <a:p>
+            <a:fld id="{4DBC7FC8-25FB-FC45-8177-2B991DA6778C}" type="slidenum">
+              <a:rPr lang="en-US" smtClean="0"/>
+              <a:t>5</a:t>
+            </a:fld>
+            <a:endParaRPr lang="en-US" dirty="0"/>
+          </a:p>
+        </p:txBody>
+      </p:sp>
+      <p:sp>
+        <p:nvSpPr>
+          <p:cNvPr id="13" name="Rectangle 11">
+            <a:extLst>
+              <a:ext uri="{FF2B5EF4-FFF2-40B4-BE49-F238E27FC236}">
+                <a16:creationId xmlns:a16="http://schemas.microsoft.com/office/drawing/2014/main" id="{DBDF6651-3A0E-4E69-8750-9A14EFE28302}"/>
               </a:ext>
             </a:extLst>
           </p:cNvPr>
@@ -19080,8 +19799,8 @@
         </p:nvSpPr>
         <p:spPr>
           <a:xfrm>
-            <a:off x="6372947" y="1045680"/>
-            <a:ext cx="2505845" cy="2498607"/>
+            <a:off x="5996726" y="1250891"/>
+            <a:ext cx="2737639" cy="2324469"/>
           </a:xfrm>
           <a:prstGeom prst="rect">
             <a:avLst/>
@@ -19120,7 +19839,7 @@
           <a:p>
             <a:pPr algn="ctr"/>
             <a:r>
-              <a:rPr lang="pt-BR" b="1" dirty="0">
+              <a:rPr lang="pt-BR" b="1" u="sng" dirty="0">
                 <a:solidFill>
                   <a:schemeClr val="tx1"/>
                 </a:solidFill>
@@ -19136,17 +19855,17 @@
                   <a:schemeClr val="tx1"/>
                 </a:solidFill>
               </a:rPr>
-              <a:t>Para usar este bloco você deve ter definido o modo de parada, portas dos motores e tamanho da roda. (Veja a lição  Configurando o movimento do seu robô)</a:t>
-            </a:r>
-          </a:p>
-        </p:txBody>
-      </p:sp>
-      <p:sp>
-        <p:nvSpPr>
-          <p:cNvPr id="4" name="Slide Number Placeholder 3">
+              <a:t>Para usar este bloco você deve ter definido a velocidade , modo de parada, portas dos motores e tamanho da roda. (Veja a lição  Configurando o movimento do seu robô)</a:t>
+            </a:r>
+          </a:p>
+        </p:txBody>
+      </p:sp>
+      <p:sp>
+        <p:nvSpPr>
+          <p:cNvPr id="14" name="Footer Placeholder 3">
             <a:extLst>
               <a:ext uri="{FF2B5EF4-FFF2-40B4-BE49-F238E27FC236}">
-                <a16:creationId xmlns:a16="http://schemas.microsoft.com/office/drawing/2014/main" id="{68A69F89-C15D-45DB-B7E9-E8B51EA5B1DE}"/>
+                <a16:creationId xmlns:a16="http://schemas.microsoft.com/office/drawing/2014/main" id="{E553CB92-EE69-48B2-B760-ED05BF25BE8D}"/>
               </a:ext>
             </a:extLst>
           </p:cNvPr>
@@ -19154,19 +19873,23 @@
             <a:spLocks noGrp="1"/>
           </p:cNvSpPr>
           <p:nvPr>
-            <p:ph type="sldNum" sz="quarter" idx="12"/>
-          </p:nvPr>
-        </p:nvSpPr>
-        <p:spPr/>
+            <p:ph type="ftr" sz="quarter" idx="11"/>
+          </p:nvPr>
+        </p:nvSpPr>
+        <p:spPr>
+          <a:xfrm>
+            <a:off x="88409" y="6320803"/>
+            <a:ext cx="4870585" cy="365125"/>
+          </a:xfrm>
+        </p:spPr>
         <p:txBody>
           <a:bodyPr/>
           <a:lstStyle/>
           <a:p>
-            <a:fld id="{4DBC7FC8-25FB-FC45-8177-2B991DA6778C}" type="slidenum">
-              <a:rPr lang="en-US" smtClean="0"/>
-              <a:t>5</a:t>
-            </a:fld>
-            <a:endParaRPr lang="en-US" dirty="0"/>
+            <a:r>
+              <a:rPr lang="en-US" dirty="0"/>
+              <a:t>Copyright © 2020 SPIKE Prime Lessons (primelessons.org) CC-BY-NC-SA.  (Last edit: 07/12/2020)</a:t>
+            </a:r>
           </a:p>
         </p:txBody>
       </p:sp>
@@ -19243,12 +19966,12 @@
         <p:spPr/>
         <p:txBody>
           <a:bodyPr>
-            <a:normAutofit fontScale="90000"/>
+            <a:noAutofit/>
           </a:bodyPr>
           <a:lstStyle/>
           <a:p>
             <a:r>
-              <a:rPr lang="en-US" dirty="0"/>
+              <a:rPr lang="en-US" sz="2400" dirty="0"/>
               <a:t>Mova por duração com velocidade (“Mover tanque”)</a:t>
             </a:r>
           </a:p>
@@ -19272,7 +19995,7 @@
         </p:nvSpPr>
         <p:spPr>
           <a:xfrm>
-            <a:off x="196926" y="3468549"/>
+            <a:off x="196926" y="3606399"/>
             <a:ext cx="8703532" cy="1827530"/>
           </a:xfrm>
         </p:spPr>
@@ -19282,53 +20005,29 @@
           </a:bodyPr>
           <a:lstStyle/>
           <a:p>
+            <a:pPr algn="just"/>
             <a:r>
               <a:rPr lang="pt-BR" dirty="0"/>
               <a:t>Esse bloco lhe permite controlar a distância de movimento e a curva do robô.</a:t>
             </a:r>
           </a:p>
           <a:p>
+            <a:pPr algn="just"/>
             <a:r>
               <a:rPr lang="pt-BR" dirty="0"/>
               <a:t>Esse bloco lhe permite controlar a curva ao especificar velocidades diferentes para os motores. Isso é chamado comumente de controles de tanque.</a:t>
             </a:r>
           </a:p>
           <a:p>
+            <a:pPr algn="just"/>
             <a:r>
               <a:rPr lang="pt-BR" dirty="0"/>
-              <a:t>O bloco deve ser adicionado a paleta de blocos usando extensões. Ele esta na paleta “Mais movimento” </a:t>
-            </a:r>
-          </a:p>
-          <a:p>
+              <a:t>O bloco deve ser adicionado a paleta de blocos usando Extensões. Ele esta na paleta “Mais movimento” </a:t>
+            </a:r>
+          </a:p>
+          <a:p>
+            <a:pPr algn="just"/>
             <a:endParaRPr lang="pt-BR" dirty="0"/>
-          </a:p>
-        </p:txBody>
-      </p:sp>
-      <p:sp>
-        <p:nvSpPr>
-          <p:cNvPr id="3" name="Footer Placeholder 2">
-            <a:extLst>
-              <a:ext uri="{FF2B5EF4-FFF2-40B4-BE49-F238E27FC236}">
-                <a16:creationId xmlns:a16="http://schemas.microsoft.com/office/drawing/2014/main" id="{ADEE0704-5C0C-A942-81C6-9C6A8360F347}"/>
-              </a:ext>
-            </a:extLst>
-          </p:cNvPr>
-          <p:cNvSpPr>
-            <a:spLocks noGrp="1"/>
-          </p:cNvSpPr>
-          <p:nvPr>
-            <p:ph type="ftr" sz="quarter" idx="11"/>
-          </p:nvPr>
-        </p:nvSpPr>
-        <p:spPr/>
-        <p:txBody>
-          <a:bodyPr/>
-          <a:lstStyle/>
-          <a:p>
-            <a:r>
-              <a:rPr lang="en-US" dirty="0"/>
-              <a:t>Copyright © 2020 SPIKE Prime Lessons (primelessons.org) CC-BY-NC-SA.  (Last edit: 5/30/2020)</a:t>
-            </a:r>
           </a:p>
         </p:txBody>
       </p:sp>
@@ -19436,10 +20135,85 @@
       </p:sp>
       <p:sp>
         <p:nvSpPr>
-          <p:cNvPr id="12" name="Rectangle 11">
+          <p:cNvPr id="13" name="TextBox 12">
             <a:extLst>
               <a:ext uri="{FF2B5EF4-FFF2-40B4-BE49-F238E27FC236}">
-                <a16:creationId xmlns:a16="http://schemas.microsoft.com/office/drawing/2014/main" id="{772B3577-6176-488F-BC65-48F339813716}"/>
+                <a16:creationId xmlns:a16="http://schemas.microsoft.com/office/drawing/2014/main" id="{BC973E90-4231-4DB4-9CA0-05C9AE0FB43D}"/>
+              </a:ext>
+            </a:extLst>
+          </p:cNvPr>
+          <p:cNvSpPr txBox="1"/>
+          <p:nvPr/>
+        </p:nvSpPr>
+        <p:spPr>
+          <a:xfrm>
+            <a:off x="175260" y="5408647"/>
+            <a:ext cx="8801826" cy="646331"/>
+          </a:xfrm>
+          <a:prstGeom prst="rect">
+            <a:avLst/>
+          </a:prstGeom>
+          <a:solidFill>
+            <a:srgbClr val="F5C201"/>
+          </a:solidFill>
+        </p:spPr>
+        <p:txBody>
+          <a:bodyPr wrap="square" rtlCol="0">
+            <a:spAutoFit/>
+          </a:bodyPr>
+          <a:lstStyle/>
+          <a:p>
+            <a:pPr algn="ctr"/>
+            <a:r>
+              <a:rPr lang="pt-BR" dirty="0"/>
+              <a:t>Em nossas lições usaremos os controles de tanque (slide 6) ou frente/trás (slide 3) já que a potência fornecida a cada roda é mais </a:t>
+            </a:r>
+            <a:r>
+              <a:rPr lang="pt-BR" dirty="0" err="1"/>
+              <a:t>explicíta</a:t>
+            </a:r>
+            <a:r>
+              <a:rPr lang="pt-BR" dirty="0"/>
+              <a:t>.</a:t>
+            </a:r>
+          </a:p>
+        </p:txBody>
+      </p:sp>
+      <p:sp>
+        <p:nvSpPr>
+          <p:cNvPr id="4" name="Slide Number Placeholder 3">
+            <a:extLst>
+              <a:ext uri="{FF2B5EF4-FFF2-40B4-BE49-F238E27FC236}">
+                <a16:creationId xmlns:a16="http://schemas.microsoft.com/office/drawing/2014/main" id="{E493E4F0-D83D-404C-8F51-49520D6FDD62}"/>
+              </a:ext>
+            </a:extLst>
+          </p:cNvPr>
+          <p:cNvSpPr>
+            <a:spLocks noGrp="1"/>
+          </p:cNvSpPr>
+          <p:nvPr>
+            <p:ph type="sldNum" sz="quarter" idx="12"/>
+          </p:nvPr>
+        </p:nvSpPr>
+        <p:spPr/>
+        <p:txBody>
+          <a:bodyPr/>
+          <a:lstStyle/>
+          <a:p>
+            <a:fld id="{4DBC7FC8-25FB-FC45-8177-2B991DA6778C}" type="slidenum">
+              <a:rPr lang="en-US" smtClean="0"/>
+              <a:t>6</a:t>
+            </a:fld>
+            <a:endParaRPr lang="en-US" dirty="0"/>
+          </a:p>
+        </p:txBody>
+      </p:sp>
+      <p:sp>
+        <p:nvSpPr>
+          <p:cNvPr id="15" name="Rectangle 11">
+            <a:extLst>
+              <a:ext uri="{FF2B5EF4-FFF2-40B4-BE49-F238E27FC236}">
+                <a16:creationId xmlns:a16="http://schemas.microsoft.com/office/drawing/2014/main" id="{54A2AA3E-A036-416E-866F-311D29B0009D}"/>
               </a:ext>
             </a:extLst>
           </p:cNvPr>
@@ -19448,8 +20222,8 @@
         </p:nvSpPr>
         <p:spPr>
           <a:xfrm>
-            <a:off x="6372947" y="1062080"/>
-            <a:ext cx="2505845" cy="2471359"/>
+            <a:off x="5996726" y="1250891"/>
+            <a:ext cx="2737639" cy="2324469"/>
           </a:xfrm>
           <a:prstGeom prst="rect">
             <a:avLst/>
@@ -19488,7 +20262,7 @@
           <a:p>
             <a:pPr algn="ctr"/>
             <a:r>
-              <a:rPr lang="pt-BR" b="1" dirty="0">
+              <a:rPr lang="pt-BR" b="1" u="sng" dirty="0">
                 <a:solidFill>
                   <a:schemeClr val="tx1"/>
                 </a:solidFill>
@@ -19504,75 +20278,41 @@
                   <a:schemeClr val="tx1"/>
                 </a:solidFill>
               </a:rPr>
-              <a:t>Para usar este bloco você deve ter definido o modo de parada, portas dos motores e tamanho da roda. (Veja a lição  Configurando o movimento do seu robô)</a:t>
-            </a:r>
-          </a:p>
-        </p:txBody>
-      </p:sp>
-      <p:sp>
-        <p:nvSpPr>
-          <p:cNvPr id="13" name="TextBox 12">
+              <a:t>Para usar este bloco você deve ter definido a velocidade , modo de parada, portas dos motores e tamanho da roda. (Veja a lição  Configurando o movimento do seu robô)</a:t>
+            </a:r>
+          </a:p>
+        </p:txBody>
+      </p:sp>
+      <p:sp>
+        <p:nvSpPr>
+          <p:cNvPr id="16" name="Footer Placeholder 3">
             <a:extLst>
               <a:ext uri="{FF2B5EF4-FFF2-40B4-BE49-F238E27FC236}">
-                <a16:creationId xmlns:a16="http://schemas.microsoft.com/office/drawing/2014/main" id="{BC973E90-4231-4DB4-9CA0-05C9AE0FB43D}"/>
+                <a16:creationId xmlns:a16="http://schemas.microsoft.com/office/drawing/2014/main" id="{200CB37B-1C99-45E7-9132-6796C8639CD3}"/>
               </a:ext>
             </a:extLst>
           </p:cNvPr>
-          <p:cNvSpPr txBox="1"/>
-          <p:nvPr/>
-        </p:nvSpPr>
-        <p:spPr>
-          <a:xfrm>
-            <a:off x="175260" y="5408647"/>
-            <a:ext cx="8801826" cy="646331"/>
-          </a:xfrm>
-          <a:prstGeom prst="rect">
-            <a:avLst/>
-          </a:prstGeom>
-          <a:solidFill>
-            <a:srgbClr val="F5C201"/>
-          </a:solidFill>
-        </p:spPr>
-        <p:txBody>
-          <a:bodyPr wrap="square" rtlCol="0">
-            <a:spAutoFit/>
-          </a:bodyPr>
-          <a:lstStyle/>
-          <a:p>
-            <a:pPr algn="ctr"/>
-            <a:r>
-              <a:rPr lang="pt-BR" dirty="0"/>
-              <a:t>Em nossas lições usaremos os controles de tanque (slide6) ou frente/trás (slide 3) já que a potência fornecida a cada roda é mais explicita.</a:t>
-            </a:r>
-          </a:p>
-        </p:txBody>
-      </p:sp>
-      <p:sp>
-        <p:nvSpPr>
-          <p:cNvPr id="4" name="Slide Number Placeholder 3">
-            <a:extLst>
-              <a:ext uri="{FF2B5EF4-FFF2-40B4-BE49-F238E27FC236}">
-                <a16:creationId xmlns:a16="http://schemas.microsoft.com/office/drawing/2014/main" id="{E493E4F0-D83D-404C-8F51-49520D6FDD62}"/>
-              </a:ext>
-            </a:extLst>
-          </p:cNvPr>
-          <p:cNvSpPr>
-            <a:spLocks noGrp="1"/>
-          </p:cNvSpPr>
-          <p:nvPr>
-            <p:ph type="sldNum" sz="quarter" idx="12"/>
-          </p:nvPr>
-        </p:nvSpPr>
-        <p:spPr/>
+          <p:cNvSpPr>
+            <a:spLocks noGrp="1"/>
+          </p:cNvSpPr>
+          <p:nvPr>
+            <p:ph type="ftr" sz="quarter" idx="11"/>
+          </p:nvPr>
+        </p:nvSpPr>
+        <p:spPr>
+          <a:xfrm>
+            <a:off x="88409" y="6320803"/>
+            <a:ext cx="4870585" cy="365125"/>
+          </a:xfrm>
+        </p:spPr>
         <p:txBody>
           <a:bodyPr/>
           <a:lstStyle/>
           <a:p>
-            <a:fld id="{4DBC7FC8-25FB-FC45-8177-2B991DA6778C}" type="slidenum">
-              <a:rPr lang="en-US" smtClean="0"/>
-              <a:t>6</a:t>
-            </a:fld>
-            <a:endParaRPr lang="en-US" dirty="0"/>
+            <a:r>
+              <a:rPr lang="en-US" dirty="0"/>
+              <a:t>Copyright © 2020 SPIKE Prime Lessons (primelessons.org) CC-BY-NC-SA.  (Last edit: 07/12/2020)</a:t>
+            </a:r>
           </a:p>
         </p:txBody>
       </p:sp>
@@ -19658,49 +20398,24 @@
           </a:bodyPr>
           <a:lstStyle/>
           <a:p>
+            <a:pPr algn="just"/>
             <a:r>
               <a:rPr lang="pt-BR" dirty="0"/>
               <a:t>Você pode inserir valores negativos para potência e distância.</a:t>
             </a:r>
           </a:p>
           <a:p>
+            <a:pPr algn="just"/>
             <a:r>
               <a:rPr lang="pt-BR" dirty="0"/>
               <a:t>Isso fará o robô ir para trás</a:t>
             </a:r>
           </a:p>
           <a:p>
+            <a:pPr algn="just"/>
             <a:r>
               <a:rPr lang="pt-BR" dirty="0"/>
               <a:t>Se você usar dois valores negativos (ex: Potência e distância, ou distância e direção para trás o robô irá para frente)</a:t>
-            </a:r>
-          </a:p>
-        </p:txBody>
-      </p:sp>
-      <p:sp>
-        <p:nvSpPr>
-          <p:cNvPr id="5" name="Footer Placeholder 4">
-            <a:extLst>
-              <a:ext uri="{FF2B5EF4-FFF2-40B4-BE49-F238E27FC236}">
-                <a16:creationId xmlns:a16="http://schemas.microsoft.com/office/drawing/2014/main" id="{8FFAF4E7-EE89-C347-970F-E96D5843F1F0}"/>
-              </a:ext>
-            </a:extLst>
-          </p:cNvPr>
-          <p:cNvSpPr>
-            <a:spLocks noGrp="1"/>
-          </p:cNvSpPr>
-          <p:nvPr>
-            <p:ph type="ftr" sz="quarter" idx="11"/>
-          </p:nvPr>
-        </p:nvSpPr>
-        <p:spPr/>
-        <p:txBody>
-          <a:bodyPr/>
-          <a:lstStyle/>
-          <a:p>
-            <a:r>
-              <a:rPr lang="en-US" dirty="0"/>
-              <a:t>Copyright © 2020 SPIKE Prime Lessons (primelessons.org) CC-BY-NC-SA.  (Last edit: 5/30/2020)</a:t>
             </a:r>
           </a:p>
         </p:txBody>
@@ -19713,8 +20428,8 @@
         </p:nvSpPr>
         <p:spPr>
           <a:xfrm>
-            <a:off x="261966" y="3203961"/>
-            <a:ext cx="2088023" cy="707886"/>
+            <a:off x="261966" y="2808791"/>
+            <a:ext cx="2088023" cy="1015663"/>
           </a:xfrm>
           <a:prstGeom prst="rect">
             <a:avLst/>
@@ -19734,7 +20449,34 @@
                   <a:srgbClr val="FF0000"/>
                 </a:solidFill>
               </a:rPr>
-              <a:t>Potência negativa =  para trás</a:t>
+              <a:t>Potência </a:t>
+            </a:r>
+            <a:r>
+              <a:rPr lang="en-US" sz="2000" dirty="0" err="1">
+                <a:solidFill>
+                  <a:srgbClr val="FF0000"/>
+                </a:solidFill>
+              </a:rPr>
+              <a:t>negativa</a:t>
+            </a:r>
+            <a:r>
+              <a:rPr lang="en-US" sz="2000" dirty="0">
+                <a:solidFill>
+                  <a:srgbClr val="FF0000"/>
+                </a:solidFill>
+              </a:rPr>
+              <a:t> =</a:t>
+            </a:r>
+          </a:p>
+          <a:p>
+            <a:pPr algn="ctr"/>
+            <a:r>
+              <a:rPr lang="en-US" sz="2000" dirty="0">
+                <a:solidFill>
+                  <a:srgbClr val="FF0000"/>
+                </a:solidFill>
+              </a:rPr>
+              <a:t>para trás</a:t>
             </a:r>
           </a:p>
         </p:txBody>
@@ -19747,8 +20489,8 @@
         </p:nvSpPr>
         <p:spPr>
           <a:xfrm>
-            <a:off x="4040661" y="4807839"/>
-            <a:ext cx="1889177" cy="1015663"/>
+            <a:off x="4040661" y="4913524"/>
+            <a:ext cx="1997136" cy="1015663"/>
           </a:xfrm>
           <a:prstGeom prst="rect">
             <a:avLst/>
@@ -19766,12 +20508,55 @@
           <a:p>
             <a:pPr algn="ctr"/>
             <a:r>
+              <a:rPr lang="en-US" sz="2000" dirty="0" err="1">
+                <a:solidFill>
+                  <a:srgbClr val="00B900"/>
+                </a:solidFill>
+              </a:rPr>
+              <a:t>Potência</a:t>
+            </a:r>
+            <a:r>
               <a:rPr lang="en-US" sz="2000" dirty="0">
                 <a:solidFill>
                   <a:srgbClr val="00B900"/>
                 </a:solidFill>
               </a:rPr>
-              <a:t>Potência positiva = para frente</a:t>
+              <a:t> </a:t>
+            </a:r>
+            <a:r>
+              <a:rPr lang="en-US" sz="2000" dirty="0" err="1">
+                <a:solidFill>
+                  <a:srgbClr val="00B900"/>
+                </a:solidFill>
+              </a:rPr>
+              <a:t>positiva</a:t>
+            </a:r>
+            <a:endParaRPr lang="en-US" sz="2000" dirty="0">
+              <a:solidFill>
+                <a:srgbClr val="00B900"/>
+              </a:solidFill>
+            </a:endParaRPr>
+          </a:p>
+          <a:p>
+            <a:pPr algn="ctr"/>
+            <a:r>
+              <a:rPr lang="en-US" sz="2000" dirty="0">
+                <a:solidFill>
+                  <a:srgbClr val="00B900"/>
+                </a:solidFill>
+              </a:rPr>
+              <a:t>= </a:t>
+            </a:r>
+          </a:p>
+          <a:p>
+            <a:pPr algn="ctr"/>
+            <a:r>
+              <a:rPr lang="en-US" sz="2000" dirty="0">
+                <a:solidFill>
+                  <a:srgbClr val="00B900"/>
+                </a:solidFill>
+              </a:rPr>
+              <a:t>para frente</a:t>
             </a:r>
           </a:p>
         </p:txBody>
@@ -20348,8 +21133,8 @@
         </p:nvSpPr>
         <p:spPr>
           <a:xfrm>
-            <a:off x="4353284" y="3166701"/>
-            <a:ext cx="1929060" cy="1015663"/>
+            <a:off x="4222782" y="3166701"/>
+            <a:ext cx="2059562" cy="1015663"/>
           </a:xfrm>
           <a:prstGeom prst="rect">
             <a:avLst/>
@@ -20369,7 +21154,34 @@
                   <a:srgbClr val="FF0000"/>
                 </a:solidFill>
               </a:rPr>
-              <a:t>Potência negativa =  para trás</a:t>
+              <a:t>Potência </a:t>
+            </a:r>
+            <a:r>
+              <a:rPr lang="en-US" sz="2000" dirty="0" err="1">
+                <a:solidFill>
+                  <a:srgbClr val="FF0000"/>
+                </a:solidFill>
+              </a:rPr>
+              <a:t>negativa</a:t>
+            </a:r>
+            <a:r>
+              <a:rPr lang="en-US" sz="2000" dirty="0">
+                <a:solidFill>
+                  <a:srgbClr val="FF0000"/>
+                </a:solidFill>
+              </a:rPr>
+              <a:t> =</a:t>
+            </a:r>
+          </a:p>
+          <a:p>
+            <a:pPr algn="ctr"/>
+            <a:r>
+              <a:rPr lang="en-US" sz="2000" dirty="0">
+                <a:solidFill>
+                  <a:srgbClr val="FF0000"/>
+                </a:solidFill>
+              </a:rPr>
+              <a:t>para trás</a:t>
             </a:r>
           </a:p>
         </p:txBody>
@@ -20388,8 +21200,8 @@
         </p:nvSpPr>
         <p:spPr>
           <a:xfrm>
-            <a:off x="7219213" y="3072997"/>
-            <a:ext cx="1889177" cy="1323439"/>
+            <a:off x="7157449" y="3072997"/>
+            <a:ext cx="1950942" cy="1323439"/>
           </a:xfrm>
           <a:prstGeom prst="rect">
             <a:avLst/>
@@ -20407,12 +21219,55 @@
           <a:p>
             <a:pPr algn="ctr"/>
             <a:r>
+              <a:rPr lang="en-US" sz="2000" dirty="0" err="1">
+                <a:solidFill>
+                  <a:srgbClr val="00B900"/>
+                </a:solidFill>
+              </a:rPr>
+              <a:t>Potência</a:t>
+            </a:r>
+            <a:r>
               <a:rPr lang="en-US" sz="2000" dirty="0">
                 <a:solidFill>
                   <a:srgbClr val="00B900"/>
                 </a:solidFill>
               </a:rPr>
-              <a:t>Potência positiva = para frente</a:t>
+              <a:t> </a:t>
+            </a:r>
+            <a:r>
+              <a:rPr lang="en-US" sz="2000" dirty="0" err="1">
+                <a:solidFill>
+                  <a:srgbClr val="00B900"/>
+                </a:solidFill>
+              </a:rPr>
+              <a:t>positiva</a:t>
+            </a:r>
+            <a:endParaRPr lang="en-US" sz="2000" dirty="0">
+              <a:solidFill>
+                <a:srgbClr val="00B900"/>
+              </a:solidFill>
+            </a:endParaRPr>
+          </a:p>
+          <a:p>
+            <a:pPr algn="ctr"/>
+            <a:r>
+              <a:rPr lang="en-US" sz="2000" dirty="0">
+                <a:solidFill>
+                  <a:srgbClr val="00B900"/>
+                </a:solidFill>
+              </a:rPr>
+              <a:t>=</a:t>
+            </a:r>
+          </a:p>
+          <a:p>
+            <a:pPr algn="ctr"/>
+            <a:r>
+              <a:rPr lang="en-US" sz="2000" dirty="0">
+                <a:solidFill>
+                  <a:srgbClr val="00B900"/>
+                </a:solidFill>
+              </a:rPr>
+              <a:t>para frente</a:t>
             </a:r>
           </a:p>
           <a:p>
@@ -20422,6 +21277,39 @@
                 <a:srgbClr val="00B900"/>
               </a:solidFill>
             </a:endParaRPr>
+          </a:p>
+        </p:txBody>
+      </p:sp>
+      <p:sp>
+        <p:nvSpPr>
+          <p:cNvPr id="28" name="Footer Placeholder 3">
+            <a:extLst>
+              <a:ext uri="{FF2B5EF4-FFF2-40B4-BE49-F238E27FC236}">
+                <a16:creationId xmlns:a16="http://schemas.microsoft.com/office/drawing/2014/main" id="{F0F67EE0-7A01-4077-9773-AD501691EEB8}"/>
+              </a:ext>
+            </a:extLst>
+          </p:cNvPr>
+          <p:cNvSpPr>
+            <a:spLocks noGrp="1"/>
+          </p:cNvSpPr>
+          <p:nvPr>
+            <p:ph type="ftr" sz="quarter" idx="11"/>
+          </p:nvPr>
+        </p:nvSpPr>
+        <p:spPr>
+          <a:xfrm>
+            <a:off x="88409" y="6320803"/>
+            <a:ext cx="4870585" cy="365125"/>
+          </a:xfrm>
+        </p:spPr>
+        <p:txBody>
+          <a:bodyPr/>
+          <a:lstStyle/>
+          <a:p>
+            <a:r>
+              <a:rPr lang="en-US" dirty="0"/>
+              <a:t>Copyright © 2020 SPIKE Prime Lessons (primelessons.org) CC-BY-NC-SA.  (Last edit: 07/12/2020)</a:t>
+            </a:r>
           </a:p>
         </p:txBody>
       </p:sp>
@@ -20511,57 +21399,31 @@
           <a:bodyPr/>
           <a:lstStyle/>
           <a:p>
+            <a:pPr algn="just"/>
             <a:r>
               <a:rPr lang="pt-BR" dirty="0"/>
-              <a:t>Mova o robô 10cm para frente</a:t>
-            </a:r>
-          </a:p>
-          <a:p>
+              <a:t>Mova o robô 10 cm para frente</a:t>
+            </a:r>
+          </a:p>
+          <a:p>
+            <a:pPr algn="just"/>
             <a:r>
               <a:rPr lang="pt-BR" dirty="0"/>
               <a:t>Passos básicos</a:t>
             </a:r>
           </a:p>
           <a:p>
-            <a:pPr lvl="1"/>
+            <a:pPr lvl="1" algn="just"/>
             <a:r>
               <a:rPr lang="pt-BR" dirty="0"/>
               <a:t>Configure o seu robô</a:t>
             </a:r>
           </a:p>
           <a:p>
-            <a:pPr lvl="1"/>
+            <a:pPr lvl="1" algn="just"/>
             <a:r>
               <a:rPr lang="pt-BR" dirty="0"/>
-              <a:t>Use o bloco Mover (Mover tanque ou mova por duração) e vá 10cm para frente</a:t>
-            </a:r>
-          </a:p>
-        </p:txBody>
-      </p:sp>
-      <p:sp>
-        <p:nvSpPr>
-          <p:cNvPr id="4" name="Footer Placeholder 3">
-            <a:extLst>
-              <a:ext uri="{FF2B5EF4-FFF2-40B4-BE49-F238E27FC236}">
-                <a16:creationId xmlns:a16="http://schemas.microsoft.com/office/drawing/2014/main" id="{062ACE1F-D85A-40F9-907A-B7F1FE4C6884}"/>
-              </a:ext>
-            </a:extLst>
-          </p:cNvPr>
-          <p:cNvSpPr>
-            <a:spLocks noGrp="1"/>
-          </p:cNvSpPr>
-          <p:nvPr>
-            <p:ph type="ftr" sz="quarter" idx="11"/>
-          </p:nvPr>
-        </p:nvSpPr>
-        <p:spPr/>
-        <p:txBody>
-          <a:bodyPr/>
-          <a:lstStyle/>
-          <a:p>
-            <a:r>
-              <a:rPr lang="en-US" dirty="0"/>
-              <a:t>Copyright © 2020 SPIKE Prime Lessons (primelessons.org) CC-BY-NC-SA.  (Last edit: 5/30/2020)</a:t>
+              <a:t>Use o bloco Mover (Mover tanque ou mova por duração) e vá 10 cm para frente</a:t>
             </a:r>
           </a:p>
         </p:txBody>
@@ -21283,6 +22145,39 @@
           </a:p>
         </p:txBody>
       </p:sp>
+      <p:sp>
+        <p:nvSpPr>
+          <p:cNvPr id="15" name="Footer Placeholder 3">
+            <a:extLst>
+              <a:ext uri="{FF2B5EF4-FFF2-40B4-BE49-F238E27FC236}">
+                <a16:creationId xmlns:a16="http://schemas.microsoft.com/office/drawing/2014/main" id="{D983C559-A418-4004-AF1B-FBC2D5A51941}"/>
+              </a:ext>
+            </a:extLst>
+          </p:cNvPr>
+          <p:cNvSpPr>
+            <a:spLocks noGrp="1"/>
+          </p:cNvSpPr>
+          <p:nvPr>
+            <p:ph type="ftr" sz="quarter" idx="11"/>
+          </p:nvPr>
+        </p:nvSpPr>
+        <p:spPr>
+          <a:xfrm>
+            <a:off x="88409" y="6320803"/>
+            <a:ext cx="4870585" cy="365125"/>
+          </a:xfrm>
+        </p:spPr>
+        <p:txBody>
+          <a:bodyPr/>
+          <a:lstStyle/>
+          <a:p>
+            <a:r>
+              <a:rPr lang="en-US" dirty="0"/>
+              <a:t>Copyright © 2020 SPIKE Prime Lessons (primelessons.org) CC-BY-NC-SA.  (Last edit: 07/12/2020)</a:t>
+            </a:r>
+          </a:p>
+        </p:txBody>
+      </p:sp>
     </p:spTree>
     <p:extLst>
       <p:ext uri="{BB962C8B-B14F-4D97-AF65-F5344CB8AC3E}">
@@ -21371,59 +22266,36 @@
           </a:bodyPr>
           <a:lstStyle/>
           <a:p>
+            <a:pPr algn="just"/>
             <a:r>
               <a:rPr lang="pt-BR" dirty="0"/>
               <a:t>Configure o seu robô</a:t>
             </a:r>
           </a:p>
           <a:p>
+            <a:pPr algn="just"/>
             <a:r>
               <a:rPr lang="pt-BR" dirty="0"/>
               <a:t>Se você esta usando as rodas pequenas do SPIKE Prime no Droid Bot IV, defina uma rotação para 17,5 (imagem à direita)</a:t>
             </a:r>
           </a:p>
           <a:p>
+            <a:pPr algn="just"/>
             <a:r>
               <a:rPr lang="pt-BR" dirty="0"/>
               <a:t>Se você esta usando as rodas grandes do SPIKE Prime na BMA, defina a rotação para 27,6cm.</a:t>
             </a:r>
           </a:p>
           <a:p>
+            <a:pPr algn="just"/>
             <a:r>
               <a:rPr lang="pt-BR" dirty="0"/>
               <a:t>Vá para frente por 10cm. O mesmo modo está disponível em ambos os blocos de movimento.</a:t>
             </a:r>
           </a:p>
           <a:p>
+            <a:pPr algn="just"/>
             <a:endParaRPr lang="pt-BR" dirty="0"/>
-          </a:p>
-        </p:txBody>
-      </p:sp>
-      <p:sp>
-        <p:nvSpPr>
-          <p:cNvPr id="4" name="Footer Placeholder 3">
-            <a:extLst>
-              <a:ext uri="{FF2B5EF4-FFF2-40B4-BE49-F238E27FC236}">
-                <a16:creationId xmlns:a16="http://schemas.microsoft.com/office/drawing/2014/main" id="{94A19F01-22AB-497B-8D19-F0955AD2F63E}"/>
-              </a:ext>
-            </a:extLst>
-          </p:cNvPr>
-          <p:cNvSpPr>
-            <a:spLocks noGrp="1"/>
-          </p:cNvSpPr>
-          <p:nvPr>
-            <p:ph type="ftr" sz="quarter" idx="11"/>
-          </p:nvPr>
-        </p:nvSpPr>
-        <p:spPr/>
-        <p:txBody>
-          <a:bodyPr/>
-          <a:lstStyle/>
-          <a:p>
-            <a:r>
-              <a:rPr lang="en-US" dirty="0"/>
-              <a:t>Copyright © 2020 SPIKE Prime Lessons (primelessons.org) CC-BY-NC-SA.  (Last edit: 5/30/2020)</a:t>
-            </a:r>
           </a:p>
         </p:txBody>
       </p:sp>
@@ -21483,6 +22355,39 @@
               <a:t>9</a:t>
             </a:fld>
             <a:endParaRPr lang="en-US" dirty="0"/>
+          </a:p>
+        </p:txBody>
+      </p:sp>
+      <p:sp>
+        <p:nvSpPr>
+          <p:cNvPr id="7" name="Footer Placeholder 3">
+            <a:extLst>
+              <a:ext uri="{FF2B5EF4-FFF2-40B4-BE49-F238E27FC236}">
+                <a16:creationId xmlns:a16="http://schemas.microsoft.com/office/drawing/2014/main" id="{405244F9-AF9C-4002-8EA7-86197316A611}"/>
+              </a:ext>
+            </a:extLst>
+          </p:cNvPr>
+          <p:cNvSpPr>
+            <a:spLocks noGrp="1"/>
+          </p:cNvSpPr>
+          <p:nvPr>
+            <p:ph type="ftr" sz="quarter" idx="11"/>
+          </p:nvPr>
+        </p:nvSpPr>
+        <p:spPr>
+          <a:xfrm>
+            <a:off x="88409" y="6320803"/>
+            <a:ext cx="4870585" cy="365125"/>
+          </a:xfrm>
+        </p:spPr>
+        <p:txBody>
+          <a:bodyPr/>
+          <a:lstStyle/>
+          <a:p>
+            <a:r>
+              <a:rPr lang="en-US" dirty="0"/>
+              <a:t>Copyright © 2020 SPIKE Prime Lessons (primelessons.org) CC-BY-NC-SA.  (Last edit: 07/12/2020)</a:t>
+            </a:r>
           </a:p>
         </p:txBody>
       </p:sp>
